--- a/Abigail/EdiciónImagenes.pptx
+++ b/Abigail/EdiciónImagenes.pptx
@@ -5,7 +5,21 @@
     <p:sldMasterId id="2147483648" r:id="rId1"/>
   </p:sldMasterIdLst>
   <p:sldIdLst>
-    <p:sldId id="256" r:id="rId2"/>
+    <p:sldId id="257" r:id="rId2"/>
+    <p:sldId id="258" r:id="rId3"/>
+    <p:sldId id="259" r:id="rId4"/>
+    <p:sldId id="260" r:id="rId5"/>
+    <p:sldId id="261" r:id="rId6"/>
+    <p:sldId id="262" r:id="rId7"/>
+    <p:sldId id="263" r:id="rId8"/>
+    <p:sldId id="264" r:id="rId9"/>
+    <p:sldId id="256" r:id="rId10"/>
+    <p:sldId id="265" r:id="rId11"/>
+    <p:sldId id="266" r:id="rId12"/>
+    <p:sldId id="267" r:id="rId13"/>
+    <p:sldId id="268" r:id="rId14"/>
+    <p:sldId id="269" r:id="rId15"/>
+    <p:sldId id="270" r:id="rId16"/>
   </p:sldIdLst>
   <p:sldSz cx="12192000" cy="6858000"/>
   <p:notesSz cx="6858000" cy="9144000"/>
@@ -104,6 +118,11 @@
       </a:defRPr>
     </a:lvl9pPr>
   </p:defaultTextStyle>
+  <p:extLst>
+    <p:ext uri="{EFAFB233-063F-42B5-8137-9DF3F51BA10A}">
+      <p15:sldGuideLst xmlns:p15="http://schemas.microsoft.com/office/powerpoint/2012/main"/>
+    </p:ext>
+  </p:extLst>
 </p:presentation>
 </file>
 
@@ -256,7 +275,7 @@
           <a:p>
             <a:fld id="{246AA5FD-5524-4AD4-879F-D4B47144AFA8}" type="datetimeFigureOut">
               <a:rPr lang="es-MX" smtClean="0"/>
-              <a:t>05/09/2018</a:t>
+              <a:t>07/09/2018</a:t>
             </a:fld>
             <a:endParaRPr lang="es-MX"/>
           </a:p>
@@ -456,7 +475,7 @@
           <a:p>
             <a:fld id="{246AA5FD-5524-4AD4-879F-D4B47144AFA8}" type="datetimeFigureOut">
               <a:rPr lang="es-MX" smtClean="0"/>
-              <a:t>05/09/2018</a:t>
+              <a:t>07/09/2018</a:t>
             </a:fld>
             <a:endParaRPr lang="es-MX"/>
           </a:p>
@@ -666,7 +685,7 @@
           <a:p>
             <a:fld id="{246AA5FD-5524-4AD4-879F-D4B47144AFA8}" type="datetimeFigureOut">
               <a:rPr lang="es-MX" smtClean="0"/>
-              <a:t>05/09/2018</a:t>
+              <a:t>07/09/2018</a:t>
             </a:fld>
             <a:endParaRPr lang="es-MX"/>
           </a:p>
@@ -866,7 +885,7 @@
           <a:p>
             <a:fld id="{246AA5FD-5524-4AD4-879F-D4B47144AFA8}" type="datetimeFigureOut">
               <a:rPr lang="es-MX" smtClean="0"/>
-              <a:t>05/09/2018</a:t>
+              <a:t>07/09/2018</a:t>
             </a:fld>
             <a:endParaRPr lang="es-MX"/>
           </a:p>
@@ -1142,7 +1161,7 @@
           <a:p>
             <a:fld id="{246AA5FD-5524-4AD4-879F-D4B47144AFA8}" type="datetimeFigureOut">
               <a:rPr lang="es-MX" smtClean="0"/>
-              <a:t>05/09/2018</a:t>
+              <a:t>07/09/2018</a:t>
             </a:fld>
             <a:endParaRPr lang="es-MX"/>
           </a:p>
@@ -1410,7 +1429,7 @@
           <a:p>
             <a:fld id="{246AA5FD-5524-4AD4-879F-D4B47144AFA8}" type="datetimeFigureOut">
               <a:rPr lang="es-MX" smtClean="0"/>
-              <a:t>05/09/2018</a:t>
+              <a:t>07/09/2018</a:t>
             </a:fld>
             <a:endParaRPr lang="es-MX"/>
           </a:p>
@@ -1825,7 +1844,7 @@
           <a:p>
             <a:fld id="{246AA5FD-5524-4AD4-879F-D4B47144AFA8}" type="datetimeFigureOut">
               <a:rPr lang="es-MX" smtClean="0"/>
-              <a:t>05/09/2018</a:t>
+              <a:t>07/09/2018</a:t>
             </a:fld>
             <a:endParaRPr lang="es-MX"/>
           </a:p>
@@ -1967,7 +1986,7 @@
           <a:p>
             <a:fld id="{246AA5FD-5524-4AD4-879F-D4B47144AFA8}" type="datetimeFigureOut">
               <a:rPr lang="es-MX" smtClean="0"/>
-              <a:t>05/09/2018</a:t>
+              <a:t>07/09/2018</a:t>
             </a:fld>
             <a:endParaRPr lang="es-MX"/>
           </a:p>
@@ -2080,7 +2099,7 @@
           <a:p>
             <a:fld id="{246AA5FD-5524-4AD4-879F-D4B47144AFA8}" type="datetimeFigureOut">
               <a:rPr lang="es-MX" smtClean="0"/>
-              <a:t>05/09/2018</a:t>
+              <a:t>07/09/2018</a:t>
             </a:fld>
             <a:endParaRPr lang="es-MX"/>
           </a:p>
@@ -2393,7 +2412,7 @@
           <a:p>
             <a:fld id="{246AA5FD-5524-4AD4-879F-D4B47144AFA8}" type="datetimeFigureOut">
               <a:rPr lang="es-MX" smtClean="0"/>
-              <a:t>05/09/2018</a:t>
+              <a:t>07/09/2018</a:t>
             </a:fld>
             <a:endParaRPr lang="es-MX"/>
           </a:p>
@@ -2682,7 +2701,7 @@
           <a:p>
             <a:fld id="{246AA5FD-5524-4AD4-879F-D4B47144AFA8}" type="datetimeFigureOut">
               <a:rPr lang="es-MX" smtClean="0"/>
-              <a:t>05/09/2018</a:t>
+              <a:t>07/09/2018</a:t>
             </a:fld>
             <a:endParaRPr lang="es-MX"/>
           </a:p>
@@ -2925,7 +2944,7 @@
           <a:p>
             <a:fld id="{246AA5FD-5524-4AD4-879F-D4B47144AFA8}" type="datetimeFigureOut">
               <a:rPr lang="es-MX" smtClean="0"/>
-              <a:t>05/09/2018</a:t>
+              <a:t>07/09/2018</a:t>
             </a:fld>
             <a:endParaRPr lang="es-MX"/>
           </a:p>
@@ -3344,10 +3363,70 @@
       </p:grpSpPr>
       <p:pic>
         <p:nvPicPr>
-          <p:cNvPr id="4" name="Imagen 3">
-            <a:extLst>
-              <a:ext uri="{FF2B5EF4-FFF2-40B4-BE49-F238E27FC236}">
-                <a16:creationId xmlns:a16="http://schemas.microsoft.com/office/drawing/2014/main" id="{1D0CD5CE-E7EE-4B47-AF7E-441B7E340E85}"/>
+          <p:cNvPr id="3" name="Imagen 2">
+            <a:extLst>
+              <a:ext uri="{FF2B5EF4-FFF2-40B4-BE49-F238E27FC236}">
+                <a16:creationId xmlns:a16="http://schemas.microsoft.com/office/drawing/2014/main" id="{C1E4D328-A799-4127-AEE7-59373E20BCD0}"/>
+              </a:ext>
+            </a:extLst>
+          </p:cNvPr>
+          <p:cNvPicPr>
+            <a:picLocks noChangeAspect="1"/>
+          </p:cNvPicPr>
+          <p:nvPr/>
+        </p:nvPicPr>
+        <p:blipFill>
+          <a:blip r:embed="rId2"/>
+          <a:stretch>
+            <a:fillRect/>
+          </a:stretch>
+        </p:blipFill>
+        <p:spPr>
+          <a:xfrm>
+            <a:off x="3829050" y="2589701"/>
+            <a:ext cx="4533900" cy="1819275"/>
+          </a:xfrm>
+          <a:prstGeom prst="rect">
+            <a:avLst/>
+          </a:prstGeom>
+        </p:spPr>
+      </p:pic>
+    </p:spTree>
+    <p:extLst>
+      <p:ext uri="{BB962C8B-B14F-4D97-AF65-F5344CB8AC3E}">
+        <p14:creationId xmlns:p14="http://schemas.microsoft.com/office/powerpoint/2010/main" val="2786244879"/>
+      </p:ext>
+    </p:extLst>
+  </p:cSld>
+  <p:clrMapOvr>
+    <a:masterClrMapping/>
+  </p:clrMapOvr>
+</p:sld>
+</file>
+
+<file path=ppt/slides/slide10.xml><?xml version="1.0" encoding="utf-8"?>
+<p:sld xmlns:a="http://schemas.openxmlformats.org/drawingml/2006/main" xmlns:r="http://schemas.openxmlformats.org/officeDocument/2006/relationships" xmlns:p="http://schemas.openxmlformats.org/presentationml/2006/main">
+  <p:cSld>
+    <p:spTree>
+      <p:nvGrpSpPr>
+        <p:cNvPr id="1" name=""/>
+        <p:cNvGrpSpPr/>
+        <p:nvPr/>
+      </p:nvGrpSpPr>
+      <p:grpSpPr>
+        <a:xfrm>
+          <a:off x="0" y="0"/>
+          <a:ext cx="0" cy="0"/>
+          <a:chOff x="0" y="0"/>
+          <a:chExt cx="0" cy="0"/>
+        </a:xfrm>
+      </p:grpSpPr>
+      <p:pic>
+        <p:nvPicPr>
+          <p:cNvPr id="2" name="Imagen 1">
+            <a:extLst>
+              <a:ext uri="{FF2B5EF4-FFF2-40B4-BE49-F238E27FC236}">
+                <a16:creationId xmlns:a16="http://schemas.microsoft.com/office/drawing/2014/main" id="{6437A009-19D4-4B30-A3CD-84824ED23EA6}"/>
               </a:ext>
             </a:extLst>
           </p:cNvPr>
@@ -3358,46 +3437,46 @@
         </p:nvPicPr>
         <p:blipFill rotWithShape="1">
           <a:blip r:embed="rId2"/>
-          <a:srcRect l="12085" b="355"/>
+          <a:srcRect l="12428" r="-1"/>
           <a:stretch/>
         </p:blipFill>
         <p:spPr>
           <a:xfrm>
-            <a:off x="2675965" y="653863"/>
-            <a:ext cx="4840136" cy="5182160"/>
+            <a:off x="1808429" y="1543448"/>
+            <a:ext cx="4896362" cy="2324100"/>
           </a:xfrm>
           <a:prstGeom prst="rect">
             <a:avLst/>
           </a:prstGeom>
         </p:spPr>
       </p:pic>
-      <p:sp>
-        <p:nvSpPr>
-          <p:cNvPr id="5" name="Abrir llave 4">
-            <a:extLst>
-              <a:ext uri="{FF2B5EF4-FFF2-40B4-BE49-F238E27FC236}">
-                <a16:creationId xmlns:a16="http://schemas.microsoft.com/office/drawing/2014/main" id="{A850C733-5910-4FDA-B33F-4467AAC9D55F}"/>
-              </a:ext>
-            </a:extLst>
-          </p:cNvPr>
-          <p:cNvSpPr/>
+      <p:cxnSp>
+        <p:nvCxnSpPr>
+          <p:cNvPr id="4" name="Conector recto de flecha 3">
+            <a:extLst>
+              <a:ext uri="{FF2B5EF4-FFF2-40B4-BE49-F238E27FC236}">
+                <a16:creationId xmlns:a16="http://schemas.microsoft.com/office/drawing/2014/main" id="{C29D3FE2-EBE5-476B-9F9B-C06EEA9F44FB}"/>
+              </a:ext>
+            </a:extLst>
+          </p:cNvPr>
+          <p:cNvCxnSpPr>
+            <a:cxnSpLocks/>
+          </p:cNvCxnSpPr>
           <p:nvPr/>
-        </p:nvSpPr>
-        <p:spPr>
-          <a:xfrm>
-            <a:off x="2971800" y="968188"/>
-            <a:ext cx="282388" cy="1546412"/>
-          </a:xfrm>
-          <a:prstGeom prst="leftBrace">
+        </p:nvCxnSpPr>
+        <p:spPr>
+          <a:xfrm>
+            <a:off x="5072134" y="1921224"/>
+            <a:ext cx="1321558" cy="0"/>
+          </a:xfrm>
+          <a:prstGeom prst="straightConnector1">
             <a:avLst/>
           </a:prstGeom>
-          <a:solidFill>
-            <a:schemeClr val="bg1"/>
-          </a:solidFill>
           <a:ln w="38100">
             <a:solidFill>
-              <a:schemeClr val="tx1"/>
+              <a:srgbClr val="FF66FF"/>
             </a:solidFill>
+            <a:tailEnd type="triangle"/>
           </a:ln>
         </p:spPr>
         <p:style>
@@ -3414,6 +3493,226 @@
             <a:schemeClr val="tx1"/>
           </a:fontRef>
         </p:style>
+      </p:cxnSp>
+      <p:sp>
+        <p:nvSpPr>
+          <p:cNvPr id="7" name="Rectángulo 6">
+            <a:extLst>
+              <a:ext uri="{FF2B5EF4-FFF2-40B4-BE49-F238E27FC236}">
+                <a16:creationId xmlns:a16="http://schemas.microsoft.com/office/drawing/2014/main" id="{33B00BF6-C392-4588-ADB4-737A9E80BA45}"/>
+              </a:ext>
+            </a:extLst>
+          </p:cNvPr>
+          <p:cNvSpPr/>
+          <p:nvPr/>
+        </p:nvSpPr>
+        <p:spPr>
+          <a:xfrm>
+            <a:off x="6465238" y="1732336"/>
+            <a:ext cx="689542" cy="343631"/>
+          </a:xfrm>
+          <a:prstGeom prst="rect">
+            <a:avLst/>
+          </a:prstGeom>
+          <a:solidFill>
+            <a:srgbClr val="FF66FF"/>
+          </a:solidFill>
+          <a:ln>
+            <a:solidFill>
+              <a:schemeClr val="tx1"/>
+            </a:solidFill>
+          </a:ln>
+        </p:spPr>
+        <p:style>
+          <a:lnRef idx="2">
+            <a:schemeClr val="accent1">
+              <a:shade val="50000"/>
+            </a:schemeClr>
+          </a:lnRef>
+          <a:fillRef idx="1">
+            <a:schemeClr val="accent1"/>
+          </a:fillRef>
+          <a:effectRef idx="0">
+            <a:schemeClr val="accent1"/>
+          </a:effectRef>
+          <a:fontRef idx="minor">
+            <a:schemeClr val="lt1"/>
+          </a:fontRef>
+        </p:style>
+        <p:txBody>
+          <a:bodyPr rtlCol="0" anchor="ctr"/>
+          <a:lstStyle/>
+          <a:p>
+            <a:pPr algn="ctr"/>
+            <a:r>
+              <a:rPr lang="es-MX" sz="2000" b="1" dirty="0">
+                <a:solidFill>
+                  <a:schemeClr val="tx1"/>
+                </a:solidFill>
+                <a:latin typeface="Arial" panose="020B0604020202020204" pitchFamily="34" charset="0"/>
+                <a:cs typeface="Arial" panose="020B0604020202020204" pitchFamily="34" charset="0"/>
+              </a:rPr>
+              <a:t>n-1</a:t>
+            </a:r>
+          </a:p>
+        </p:txBody>
+      </p:sp>
+      <p:cxnSp>
+        <p:nvCxnSpPr>
+          <p:cNvPr id="8" name="Conector recto de flecha 7">
+            <a:extLst>
+              <a:ext uri="{FF2B5EF4-FFF2-40B4-BE49-F238E27FC236}">
+                <a16:creationId xmlns:a16="http://schemas.microsoft.com/office/drawing/2014/main" id="{7715CC18-B289-4222-AF6F-DA43702A9E4F}"/>
+              </a:ext>
+            </a:extLst>
+          </p:cNvPr>
+          <p:cNvCxnSpPr>
+            <a:cxnSpLocks/>
+          </p:cNvCxnSpPr>
+          <p:nvPr/>
+        </p:nvCxnSpPr>
+        <p:spPr>
+          <a:xfrm>
+            <a:off x="6393692" y="2230713"/>
+            <a:ext cx="1049845" cy="0"/>
+          </a:xfrm>
+          <a:prstGeom prst="straightConnector1">
+            <a:avLst/>
+          </a:prstGeom>
+          <a:ln w="38100">
+            <a:solidFill>
+              <a:schemeClr val="accent5">
+                <a:lumMod val="60000"/>
+                <a:lumOff val="40000"/>
+              </a:schemeClr>
+            </a:solidFill>
+            <a:tailEnd type="triangle"/>
+          </a:ln>
+        </p:spPr>
+        <p:style>
+          <a:lnRef idx="1">
+            <a:schemeClr val="accent1"/>
+          </a:lnRef>
+          <a:fillRef idx="0">
+            <a:schemeClr val="accent1"/>
+          </a:fillRef>
+          <a:effectRef idx="0">
+            <a:schemeClr val="accent1"/>
+          </a:effectRef>
+          <a:fontRef idx="minor">
+            <a:schemeClr val="tx1"/>
+          </a:fontRef>
+        </p:style>
+      </p:cxnSp>
+      <p:sp>
+        <p:nvSpPr>
+          <p:cNvPr id="9" name="Rectángulo 8">
+            <a:extLst>
+              <a:ext uri="{FF2B5EF4-FFF2-40B4-BE49-F238E27FC236}">
+                <a16:creationId xmlns:a16="http://schemas.microsoft.com/office/drawing/2014/main" id="{A8F230D9-A0C5-454C-9030-3A233F751259}"/>
+              </a:ext>
+            </a:extLst>
+          </p:cNvPr>
+          <p:cNvSpPr/>
+          <p:nvPr/>
+        </p:nvSpPr>
+        <p:spPr>
+          <a:xfrm>
+            <a:off x="7496036" y="1994664"/>
+            <a:ext cx="689542" cy="343627"/>
+          </a:xfrm>
+          <a:prstGeom prst="rect">
+            <a:avLst/>
+          </a:prstGeom>
+          <a:solidFill>
+            <a:schemeClr val="accent5">
+              <a:lumMod val="60000"/>
+              <a:lumOff val="40000"/>
+            </a:schemeClr>
+          </a:solidFill>
+          <a:ln>
+            <a:solidFill>
+              <a:schemeClr val="tx1"/>
+            </a:solidFill>
+          </a:ln>
+        </p:spPr>
+        <p:style>
+          <a:lnRef idx="2">
+            <a:schemeClr val="accent1">
+              <a:shade val="50000"/>
+            </a:schemeClr>
+          </a:lnRef>
+          <a:fillRef idx="1">
+            <a:schemeClr val="accent1"/>
+          </a:fillRef>
+          <a:effectRef idx="0">
+            <a:schemeClr val="accent1"/>
+          </a:effectRef>
+          <a:fontRef idx="minor">
+            <a:schemeClr val="lt1"/>
+          </a:fontRef>
+        </p:style>
+        <p:txBody>
+          <a:bodyPr rtlCol="0" anchor="ctr"/>
+          <a:lstStyle/>
+          <a:p>
+            <a:pPr algn="ctr"/>
+            <a:r>
+              <a:rPr lang="es-MX" sz="2000" b="1" dirty="0">
+                <a:solidFill>
+                  <a:schemeClr val="tx1"/>
+                </a:solidFill>
+                <a:latin typeface="Arial" panose="020B0604020202020204" pitchFamily="34" charset="0"/>
+                <a:cs typeface="Arial" panose="020B0604020202020204" pitchFamily="34" charset="0"/>
+              </a:rPr>
+              <a:t>n-1</a:t>
+            </a:r>
+          </a:p>
+        </p:txBody>
+      </p:sp>
+      <p:sp>
+        <p:nvSpPr>
+          <p:cNvPr id="11" name="Abrir llave 10">
+            <a:extLst>
+              <a:ext uri="{FF2B5EF4-FFF2-40B4-BE49-F238E27FC236}">
+                <a16:creationId xmlns:a16="http://schemas.microsoft.com/office/drawing/2014/main" id="{4CCA483A-00B9-4BCB-A14F-2D6752D7B083}"/>
+              </a:ext>
+            </a:extLst>
+          </p:cNvPr>
+          <p:cNvSpPr/>
+          <p:nvPr/>
+        </p:nvSpPr>
+        <p:spPr>
+          <a:xfrm>
+            <a:off x="1337335" y="1874263"/>
+            <a:ext cx="345290" cy="1662469"/>
+          </a:xfrm>
+          <a:prstGeom prst="leftBrace">
+            <a:avLst/>
+          </a:prstGeom>
+          <a:solidFill>
+            <a:schemeClr val="bg1"/>
+          </a:solidFill>
+          <a:ln w="38100">
+            <a:solidFill>
+              <a:schemeClr val="tx1"/>
+            </a:solidFill>
+          </a:ln>
+        </p:spPr>
+        <p:style>
+          <a:lnRef idx="1">
+            <a:schemeClr val="accent1"/>
+          </a:lnRef>
+          <a:fillRef idx="0">
+            <a:schemeClr val="accent1"/>
+          </a:fillRef>
+          <a:effectRef idx="0">
+            <a:schemeClr val="accent1"/>
+          </a:effectRef>
+          <a:fontRef idx="minor">
+            <a:schemeClr val="tx1"/>
+          </a:fontRef>
+        </p:style>
         <p:txBody>
           <a:bodyPr rtlCol="0" anchor="ctr"/>
           <a:lstStyle/>
@@ -3425,10 +3724,10 @@
       </p:sp>
       <p:sp>
         <p:nvSpPr>
-          <p:cNvPr id="7" name="Elipse 6">
-            <a:extLst>
-              <a:ext uri="{FF2B5EF4-FFF2-40B4-BE49-F238E27FC236}">
-                <a16:creationId xmlns:a16="http://schemas.microsoft.com/office/drawing/2014/main" id="{7839CAAC-F54A-4822-9A66-8A655464A5DC}"/>
+          <p:cNvPr id="12" name="Elipse 11">
+            <a:extLst>
+              <a:ext uri="{FF2B5EF4-FFF2-40B4-BE49-F238E27FC236}">
+                <a16:creationId xmlns:a16="http://schemas.microsoft.com/office/drawing/2014/main" id="{6433FC83-A594-4791-9B07-EABCB33CB80C}"/>
               </a:ext>
             </a:extLst>
           </p:cNvPr>
@@ -3437,7 +3736,7 @@
         </p:nvSpPr>
         <p:spPr>
           <a:xfrm>
-            <a:off x="5777753" y="1113865"/>
+            <a:off x="4930939" y="2299001"/>
             <a:ext cx="282389" cy="284630"/>
           </a:xfrm>
           <a:prstGeom prst="ellipse">
@@ -3472,10 +3771,10 @@
       </p:sp>
       <p:sp>
         <p:nvSpPr>
-          <p:cNvPr id="8" name="Elipse 7">
-            <a:extLst>
-              <a:ext uri="{FF2B5EF4-FFF2-40B4-BE49-F238E27FC236}">
-                <a16:creationId xmlns:a16="http://schemas.microsoft.com/office/drawing/2014/main" id="{79DE6EA1-DDDA-4358-B9AC-149BA30A0EFB}"/>
+          <p:cNvPr id="14" name="Rectángulo 13">
+            <a:extLst>
+              <a:ext uri="{FF2B5EF4-FFF2-40B4-BE49-F238E27FC236}">
+                <a16:creationId xmlns:a16="http://schemas.microsoft.com/office/drawing/2014/main" id="{FD3694AF-0168-4BB3-8DFA-D12C11B33DD0}"/>
               </a:ext>
             </a:extLst>
           </p:cNvPr>
@@ -3484,206 +3783,10 @@
         </p:nvSpPr>
         <p:spPr>
           <a:xfrm>
-            <a:off x="5777753" y="1456763"/>
-            <a:ext cx="282389" cy="284630"/>
-          </a:xfrm>
-          <a:prstGeom prst="ellipse">
-            <a:avLst/>
-          </a:prstGeom>
-        </p:spPr>
-        <p:style>
-          <a:lnRef idx="3">
-            <a:schemeClr val="lt1"/>
-          </a:lnRef>
-          <a:fillRef idx="1">
-            <a:schemeClr val="accent6"/>
-          </a:fillRef>
-          <a:effectRef idx="1">
-            <a:schemeClr val="accent6"/>
-          </a:effectRef>
-          <a:fontRef idx="minor">
-            <a:schemeClr val="lt1"/>
-          </a:fontRef>
-        </p:style>
-        <p:txBody>
-          <a:bodyPr rtlCol="0" anchor="ctr"/>
-          <a:lstStyle/>
-          <a:p>
-            <a:pPr algn="ctr"/>
-            <a:r>
-              <a:rPr lang="es-MX" b="1" dirty="0"/>
-              <a:t>1</a:t>
-            </a:r>
-          </a:p>
-        </p:txBody>
-      </p:sp>
-      <p:sp>
-        <p:nvSpPr>
-          <p:cNvPr id="9" name="Elipse 8">
-            <a:extLst>
-              <a:ext uri="{FF2B5EF4-FFF2-40B4-BE49-F238E27FC236}">
-                <a16:creationId xmlns:a16="http://schemas.microsoft.com/office/drawing/2014/main" id="{D72C4FA1-774A-4316-B61D-7CC761567356}"/>
-              </a:ext>
-            </a:extLst>
-          </p:cNvPr>
-          <p:cNvSpPr/>
-          <p:nvPr/>
-        </p:nvSpPr>
-        <p:spPr>
-          <a:xfrm>
-            <a:off x="5777753" y="1913966"/>
-            <a:ext cx="282389" cy="284630"/>
-          </a:xfrm>
-          <a:prstGeom prst="ellipse">
-            <a:avLst/>
-          </a:prstGeom>
-        </p:spPr>
-        <p:style>
-          <a:lnRef idx="3">
-            <a:schemeClr val="lt1"/>
-          </a:lnRef>
-          <a:fillRef idx="1">
-            <a:schemeClr val="accent6"/>
-          </a:fillRef>
-          <a:effectRef idx="1">
-            <a:schemeClr val="accent6"/>
-          </a:effectRef>
-          <a:fontRef idx="minor">
-            <a:schemeClr val="lt1"/>
-          </a:fontRef>
-        </p:style>
-        <p:txBody>
-          <a:bodyPr rtlCol="0" anchor="ctr"/>
-          <a:lstStyle/>
-          <a:p>
-            <a:pPr algn="ctr"/>
-            <a:r>
-              <a:rPr lang="es-MX" b="1" dirty="0"/>
-              <a:t>1</a:t>
-            </a:r>
-          </a:p>
-        </p:txBody>
-      </p:sp>
-      <p:sp>
-        <p:nvSpPr>
-          <p:cNvPr id="10" name="Elipse 9">
-            <a:extLst>
-              <a:ext uri="{FF2B5EF4-FFF2-40B4-BE49-F238E27FC236}">
-                <a16:creationId xmlns:a16="http://schemas.microsoft.com/office/drawing/2014/main" id="{01940B82-0D34-489C-9202-59F53B52CD74}"/>
-              </a:ext>
-            </a:extLst>
-          </p:cNvPr>
-          <p:cNvSpPr/>
-          <p:nvPr/>
-        </p:nvSpPr>
-        <p:spPr>
-          <a:xfrm>
-            <a:off x="5777753" y="2256864"/>
-            <a:ext cx="282389" cy="284630"/>
-          </a:xfrm>
-          <a:prstGeom prst="ellipse">
-            <a:avLst/>
-          </a:prstGeom>
-        </p:spPr>
-        <p:style>
-          <a:lnRef idx="3">
-            <a:schemeClr val="lt1"/>
-          </a:lnRef>
-          <a:fillRef idx="1">
-            <a:schemeClr val="accent6"/>
-          </a:fillRef>
-          <a:effectRef idx="1">
-            <a:schemeClr val="accent6"/>
-          </a:effectRef>
-          <a:fontRef idx="minor">
-            <a:schemeClr val="lt1"/>
-          </a:fontRef>
-        </p:style>
-        <p:txBody>
-          <a:bodyPr rtlCol="0" anchor="ctr"/>
-          <a:lstStyle/>
-          <a:p>
-            <a:pPr algn="ctr"/>
-            <a:r>
-              <a:rPr lang="es-MX" b="1" dirty="0"/>
-              <a:t>1</a:t>
-            </a:r>
-          </a:p>
-        </p:txBody>
-      </p:sp>
-      <p:sp>
-        <p:nvSpPr>
-          <p:cNvPr id="11" name="Abrir llave 10">
-            <a:extLst>
-              <a:ext uri="{FF2B5EF4-FFF2-40B4-BE49-F238E27FC236}">
-                <a16:creationId xmlns:a16="http://schemas.microsoft.com/office/drawing/2014/main" id="{21FEA9C4-EEFF-4775-990C-2B4A60D5554A}"/>
-              </a:ext>
-            </a:extLst>
-          </p:cNvPr>
-          <p:cNvSpPr/>
-          <p:nvPr/>
-        </p:nvSpPr>
-        <p:spPr>
-          <a:xfrm rot="10800000" flipH="1">
-            <a:off x="2245657" y="968183"/>
-            <a:ext cx="389965" cy="3294533"/>
-          </a:xfrm>
-          <a:prstGeom prst="leftBrace">
-            <a:avLst>
-              <a:gd name="adj1" fmla="val 8333"/>
-              <a:gd name="adj2" fmla="val 50000"/>
-            </a:avLst>
-          </a:prstGeom>
-          <a:solidFill>
-            <a:schemeClr val="bg1"/>
-          </a:solidFill>
-          <a:ln w="38100">
-            <a:solidFill>
-              <a:schemeClr val="tx1"/>
-            </a:solidFill>
-          </a:ln>
-        </p:spPr>
-        <p:style>
-          <a:lnRef idx="1">
-            <a:schemeClr val="accent1"/>
-          </a:lnRef>
-          <a:fillRef idx="0">
-            <a:schemeClr val="accent1"/>
-          </a:fillRef>
-          <a:effectRef idx="0">
-            <a:schemeClr val="accent1"/>
-          </a:effectRef>
-          <a:fontRef idx="minor">
-            <a:schemeClr val="tx1"/>
-          </a:fontRef>
-        </p:style>
-        <p:txBody>
-          <a:bodyPr rtlCol="0" anchor="ctr"/>
-          <a:lstStyle/>
-          <a:p>
-            <a:pPr algn="ctr"/>
-            <a:endParaRPr lang="es-MX"/>
-          </a:p>
-        </p:txBody>
-      </p:sp>
-      <p:sp>
-        <p:nvSpPr>
-          <p:cNvPr id="6" name="Elipse 5">
-            <a:extLst>
-              <a:ext uri="{FF2B5EF4-FFF2-40B4-BE49-F238E27FC236}">
-                <a16:creationId xmlns:a16="http://schemas.microsoft.com/office/drawing/2014/main" id="{E2D94D5E-2D1B-4161-8B90-7DE7362AB3E0}"/>
-              </a:ext>
-            </a:extLst>
-          </p:cNvPr>
-          <p:cNvSpPr/>
-          <p:nvPr/>
-        </p:nvSpPr>
-        <p:spPr>
-          <a:xfrm>
-            <a:off x="2534765" y="1564343"/>
-            <a:ext cx="389965" cy="349623"/>
-          </a:xfrm>
-          <a:prstGeom prst="ellipse">
+            <a:off x="175701" y="2483620"/>
+            <a:ext cx="1129550" cy="443753"/>
+          </a:xfrm>
+          <a:prstGeom prst="rect">
             <a:avLst/>
           </a:prstGeom>
         </p:spPr>
@@ -3709,18 +3812,71 @@
           <a:p>
             <a:pPr algn="ctr"/>
             <a:r>
-              <a:rPr lang="es-MX" b="1" dirty="0"/>
-              <a:t>3</a:t>
-            </a:r>
-          </a:p>
-        </p:txBody>
-      </p:sp>
-      <p:sp>
-        <p:nvSpPr>
-          <p:cNvPr id="13" name="Rectángulo 12">
-            <a:extLst>
-              <a:ext uri="{FF2B5EF4-FFF2-40B4-BE49-F238E27FC236}">
-                <a16:creationId xmlns:a16="http://schemas.microsoft.com/office/drawing/2014/main" id="{157C61FD-011D-4CFF-99E9-7981CA0466C8}"/>
+              <a:rPr lang="es-MX" sz="2000" b="1" dirty="0">
+                <a:solidFill>
+                  <a:schemeClr val="tx1"/>
+                </a:solidFill>
+              </a:rPr>
+              <a:t>4(n-1)^2</a:t>
+            </a:r>
+            <a:endParaRPr lang="es-MX" sz="2000" dirty="0">
+              <a:solidFill>
+                <a:schemeClr val="tx1"/>
+              </a:solidFill>
+            </a:endParaRPr>
+          </a:p>
+        </p:txBody>
+      </p:sp>
+      <p:cxnSp>
+        <p:nvCxnSpPr>
+          <p:cNvPr id="15" name="Conector recto 14">
+            <a:extLst>
+              <a:ext uri="{FF2B5EF4-FFF2-40B4-BE49-F238E27FC236}">
+                <a16:creationId xmlns:a16="http://schemas.microsoft.com/office/drawing/2014/main" id="{5ACE2E0F-E1DB-415B-A80C-B1BEFAB8EDB8}"/>
+              </a:ext>
+            </a:extLst>
+          </p:cNvPr>
+          <p:cNvCxnSpPr>
+            <a:cxnSpLocks/>
+          </p:cNvCxnSpPr>
+          <p:nvPr/>
+        </p:nvCxnSpPr>
+        <p:spPr>
+          <a:xfrm>
+            <a:off x="1509980" y="3536732"/>
+            <a:ext cx="1198781" cy="0"/>
+          </a:xfrm>
+          <a:prstGeom prst="line">
+            <a:avLst/>
+          </a:prstGeom>
+          <a:ln w="38100">
+            <a:solidFill>
+              <a:schemeClr val="tx1"/>
+            </a:solidFill>
+            <a:prstDash val="sysDot"/>
+          </a:ln>
+        </p:spPr>
+        <p:style>
+          <a:lnRef idx="1">
+            <a:schemeClr val="accent1"/>
+          </a:lnRef>
+          <a:fillRef idx="0">
+            <a:schemeClr val="accent1"/>
+          </a:fillRef>
+          <a:effectRef idx="0">
+            <a:schemeClr val="accent1"/>
+          </a:effectRef>
+          <a:fontRef idx="minor">
+            <a:schemeClr val="tx1"/>
+          </a:fontRef>
+        </p:style>
+      </p:cxnSp>
+      <p:sp>
+        <p:nvSpPr>
+          <p:cNvPr id="18" name="Elipse 17">
+            <a:extLst>
+              <a:ext uri="{FF2B5EF4-FFF2-40B4-BE49-F238E27FC236}">
+                <a16:creationId xmlns:a16="http://schemas.microsoft.com/office/drawing/2014/main" id="{82EF8BA7-D99E-476A-8B03-E031CCE8EB3C}"/>
               </a:ext>
             </a:extLst>
           </p:cNvPr>
@@ -3729,10 +3885,2962 @@
         </p:nvSpPr>
         <p:spPr>
           <a:xfrm>
-            <a:off x="1129558" y="2399179"/>
+            <a:off x="5213328" y="2583631"/>
+            <a:ext cx="282389" cy="284630"/>
+          </a:xfrm>
+          <a:prstGeom prst="ellipse">
+            <a:avLst/>
+          </a:prstGeom>
+        </p:spPr>
+        <p:style>
+          <a:lnRef idx="3">
+            <a:schemeClr val="lt1"/>
+          </a:lnRef>
+          <a:fillRef idx="1">
+            <a:schemeClr val="accent6"/>
+          </a:fillRef>
+          <a:effectRef idx="1">
+            <a:schemeClr val="accent6"/>
+          </a:effectRef>
+          <a:fontRef idx="minor">
+            <a:schemeClr val="lt1"/>
+          </a:fontRef>
+        </p:style>
+        <p:txBody>
+          <a:bodyPr rtlCol="0" anchor="ctr"/>
+          <a:lstStyle/>
+          <a:p>
+            <a:pPr algn="ctr"/>
+            <a:r>
+              <a:rPr lang="es-MX" b="1" dirty="0"/>
+              <a:t>1</a:t>
+            </a:r>
+          </a:p>
+        </p:txBody>
+      </p:sp>
+      <p:sp>
+        <p:nvSpPr>
+          <p:cNvPr id="19" name="Elipse 18">
+            <a:extLst>
+              <a:ext uri="{FF2B5EF4-FFF2-40B4-BE49-F238E27FC236}">
+                <a16:creationId xmlns:a16="http://schemas.microsoft.com/office/drawing/2014/main" id="{DE40807A-8F17-432A-8707-61809714FEC9}"/>
+              </a:ext>
+            </a:extLst>
+          </p:cNvPr>
+          <p:cNvSpPr/>
+          <p:nvPr/>
+        </p:nvSpPr>
+        <p:spPr>
+          <a:xfrm>
+            <a:off x="5495717" y="2857528"/>
+            <a:ext cx="282389" cy="284630"/>
+          </a:xfrm>
+          <a:prstGeom prst="ellipse">
+            <a:avLst/>
+          </a:prstGeom>
+        </p:spPr>
+        <p:style>
+          <a:lnRef idx="3">
+            <a:schemeClr val="lt1"/>
+          </a:lnRef>
+          <a:fillRef idx="1">
+            <a:schemeClr val="accent6"/>
+          </a:fillRef>
+          <a:effectRef idx="1">
+            <a:schemeClr val="accent6"/>
+          </a:effectRef>
+          <a:fontRef idx="minor">
+            <a:schemeClr val="lt1"/>
+          </a:fontRef>
+        </p:style>
+        <p:txBody>
+          <a:bodyPr rtlCol="0" anchor="ctr"/>
+          <a:lstStyle/>
+          <a:p>
+            <a:pPr algn="ctr"/>
+            <a:r>
+              <a:rPr lang="es-MX" b="1" dirty="0"/>
+              <a:t>1</a:t>
+            </a:r>
+          </a:p>
+        </p:txBody>
+      </p:sp>
+      <p:sp>
+        <p:nvSpPr>
+          <p:cNvPr id="20" name="Elipse 19">
+            <a:extLst>
+              <a:ext uri="{FF2B5EF4-FFF2-40B4-BE49-F238E27FC236}">
+                <a16:creationId xmlns:a16="http://schemas.microsoft.com/office/drawing/2014/main" id="{DFF60B3A-A85F-4725-9F3C-73B9674C4C57}"/>
+              </a:ext>
+            </a:extLst>
+          </p:cNvPr>
+          <p:cNvSpPr/>
+          <p:nvPr/>
+        </p:nvSpPr>
+        <p:spPr>
+          <a:xfrm>
+            <a:off x="5822812" y="3091815"/>
+            <a:ext cx="282389" cy="284630"/>
+          </a:xfrm>
+          <a:prstGeom prst="ellipse">
+            <a:avLst/>
+          </a:prstGeom>
+        </p:spPr>
+        <p:style>
+          <a:lnRef idx="3">
+            <a:schemeClr val="lt1"/>
+          </a:lnRef>
+          <a:fillRef idx="1">
+            <a:schemeClr val="accent6"/>
+          </a:fillRef>
+          <a:effectRef idx="1">
+            <a:schemeClr val="accent6"/>
+          </a:effectRef>
+          <a:fontRef idx="minor">
+            <a:schemeClr val="lt1"/>
+          </a:fontRef>
+        </p:style>
+        <p:txBody>
+          <a:bodyPr rtlCol="0" anchor="ctr"/>
+          <a:lstStyle/>
+          <a:p>
+            <a:pPr algn="ctr"/>
+            <a:r>
+              <a:rPr lang="es-MX" b="1" dirty="0"/>
+              <a:t>1</a:t>
+            </a:r>
+          </a:p>
+        </p:txBody>
+      </p:sp>
+      <p:cxnSp>
+        <p:nvCxnSpPr>
+          <p:cNvPr id="21" name="Conector recto 20">
+            <a:extLst>
+              <a:ext uri="{FF2B5EF4-FFF2-40B4-BE49-F238E27FC236}">
+                <a16:creationId xmlns:a16="http://schemas.microsoft.com/office/drawing/2014/main" id="{719CA6E4-743E-4A2E-9426-3E8E33BAA5A3}"/>
+              </a:ext>
+            </a:extLst>
+          </p:cNvPr>
+          <p:cNvCxnSpPr>
+            <a:cxnSpLocks/>
+          </p:cNvCxnSpPr>
+          <p:nvPr/>
+        </p:nvCxnSpPr>
+        <p:spPr>
+          <a:xfrm>
+            <a:off x="5037520" y="2999291"/>
+            <a:ext cx="458197" cy="552"/>
+          </a:xfrm>
+          <a:prstGeom prst="line">
+            <a:avLst/>
+          </a:prstGeom>
+          <a:ln w="38100">
+            <a:solidFill>
+              <a:schemeClr val="tx1"/>
+            </a:solidFill>
+            <a:prstDash val="sysDot"/>
+          </a:ln>
+        </p:spPr>
+        <p:style>
+          <a:lnRef idx="1">
+            <a:schemeClr val="accent1"/>
+          </a:lnRef>
+          <a:fillRef idx="0">
+            <a:schemeClr val="accent1"/>
+          </a:fillRef>
+          <a:effectRef idx="0">
+            <a:schemeClr val="accent1"/>
+          </a:effectRef>
+          <a:fontRef idx="minor">
+            <a:schemeClr val="tx1"/>
+          </a:fontRef>
+        </p:style>
+      </p:cxnSp>
+      <p:cxnSp>
+        <p:nvCxnSpPr>
+          <p:cNvPr id="23" name="Conector recto 22">
+            <a:extLst>
+              <a:ext uri="{FF2B5EF4-FFF2-40B4-BE49-F238E27FC236}">
+                <a16:creationId xmlns:a16="http://schemas.microsoft.com/office/drawing/2014/main" id="{11D4F078-04FF-4D0D-9249-526F5E709E7C}"/>
+              </a:ext>
+            </a:extLst>
+          </p:cNvPr>
+          <p:cNvCxnSpPr>
+            <a:cxnSpLocks/>
+          </p:cNvCxnSpPr>
+          <p:nvPr/>
+        </p:nvCxnSpPr>
+        <p:spPr>
+          <a:xfrm>
+            <a:off x="5072133" y="3246037"/>
+            <a:ext cx="750679" cy="0"/>
+          </a:xfrm>
+          <a:prstGeom prst="line">
+            <a:avLst/>
+          </a:prstGeom>
+          <a:ln w="38100">
+            <a:solidFill>
+              <a:schemeClr val="tx1"/>
+            </a:solidFill>
+            <a:prstDash val="sysDot"/>
+          </a:ln>
+        </p:spPr>
+        <p:style>
+          <a:lnRef idx="1">
+            <a:schemeClr val="accent1"/>
+          </a:lnRef>
+          <a:fillRef idx="0">
+            <a:schemeClr val="accent1"/>
+          </a:fillRef>
+          <a:effectRef idx="0">
+            <a:schemeClr val="accent1"/>
+          </a:effectRef>
+          <a:fontRef idx="minor">
+            <a:schemeClr val="tx1"/>
+          </a:fontRef>
+        </p:style>
+      </p:cxnSp>
+      <p:sp>
+        <p:nvSpPr>
+          <p:cNvPr id="29" name="Abrir llave 28">
+            <a:extLst>
+              <a:ext uri="{FF2B5EF4-FFF2-40B4-BE49-F238E27FC236}">
+                <a16:creationId xmlns:a16="http://schemas.microsoft.com/office/drawing/2014/main" id="{ED908FE0-5946-496F-BB05-B5A57AA04E97}"/>
+              </a:ext>
+            </a:extLst>
+          </p:cNvPr>
+          <p:cNvSpPr/>
+          <p:nvPr/>
+        </p:nvSpPr>
+        <p:spPr>
+          <a:xfrm flipH="1">
+            <a:off x="8258715" y="1691328"/>
+            <a:ext cx="268119" cy="769278"/>
+          </a:xfrm>
+          <a:prstGeom prst="leftBrace">
+            <a:avLst>
+              <a:gd name="adj1" fmla="val 8333"/>
+              <a:gd name="adj2" fmla="val 50000"/>
+            </a:avLst>
+          </a:prstGeom>
+          <a:solidFill>
+            <a:schemeClr val="bg1"/>
+          </a:solidFill>
+          <a:ln w="38100">
+            <a:solidFill>
+              <a:schemeClr val="tx1"/>
+            </a:solidFill>
+          </a:ln>
+        </p:spPr>
+        <p:style>
+          <a:lnRef idx="1">
+            <a:schemeClr val="accent1"/>
+          </a:lnRef>
+          <a:fillRef idx="0">
+            <a:schemeClr val="accent1"/>
+          </a:fillRef>
+          <a:effectRef idx="0">
+            <a:schemeClr val="accent1"/>
+          </a:effectRef>
+          <a:fontRef idx="minor">
+            <a:schemeClr val="tx1"/>
+          </a:fontRef>
+        </p:style>
+        <p:txBody>
+          <a:bodyPr rtlCol="0" anchor="ctr"/>
+          <a:lstStyle/>
+          <a:p>
+            <a:pPr algn="ctr"/>
+            <a:endParaRPr lang="es-MX"/>
+          </a:p>
+        </p:txBody>
+      </p:sp>
+      <p:cxnSp>
+        <p:nvCxnSpPr>
+          <p:cNvPr id="30" name="Conector recto 29">
+            <a:extLst>
+              <a:ext uri="{FF2B5EF4-FFF2-40B4-BE49-F238E27FC236}">
+                <a16:creationId xmlns:a16="http://schemas.microsoft.com/office/drawing/2014/main" id="{C809BDCF-CEEE-42E6-A73A-03E2BDDC73F2}"/>
+              </a:ext>
+            </a:extLst>
+          </p:cNvPr>
+          <p:cNvCxnSpPr>
+            <a:cxnSpLocks/>
+            <a:endCxn id="29" idx="2"/>
+          </p:cNvCxnSpPr>
+          <p:nvPr/>
+        </p:nvCxnSpPr>
+        <p:spPr>
+          <a:xfrm>
+            <a:off x="5314971" y="2460606"/>
+            <a:ext cx="2943744" cy="0"/>
+          </a:xfrm>
+          <a:prstGeom prst="line">
+            <a:avLst/>
+          </a:prstGeom>
+          <a:ln w="38100">
+            <a:solidFill>
+              <a:schemeClr val="tx1"/>
+            </a:solidFill>
+            <a:prstDash val="sysDot"/>
+          </a:ln>
+        </p:spPr>
+        <p:style>
+          <a:lnRef idx="1">
+            <a:schemeClr val="accent1"/>
+          </a:lnRef>
+          <a:fillRef idx="0">
+            <a:schemeClr val="accent1"/>
+          </a:fillRef>
+          <a:effectRef idx="0">
+            <a:schemeClr val="accent1"/>
+          </a:effectRef>
+          <a:fontRef idx="minor">
+            <a:schemeClr val="tx1"/>
+          </a:fontRef>
+        </p:style>
+      </p:cxnSp>
+      <p:sp>
+        <p:nvSpPr>
+          <p:cNvPr id="34" name="Rectángulo 33">
+            <a:extLst>
+              <a:ext uri="{FF2B5EF4-FFF2-40B4-BE49-F238E27FC236}">
+                <a16:creationId xmlns:a16="http://schemas.microsoft.com/office/drawing/2014/main" id="{FE4732A3-1E5F-4504-9130-039A3615F4BA}"/>
+              </a:ext>
+            </a:extLst>
+          </p:cNvPr>
+          <p:cNvSpPr/>
+          <p:nvPr/>
+        </p:nvSpPr>
+        <p:spPr>
+          <a:xfrm>
+            <a:off x="8599971" y="1821077"/>
             <a:ext cx="1129550" cy="443753"/>
           </a:xfrm>
           <a:prstGeom prst="rect">
+            <a:avLst/>
+          </a:prstGeom>
+        </p:spPr>
+        <p:style>
+          <a:lnRef idx="3">
+            <a:schemeClr val="lt1"/>
+          </a:lnRef>
+          <a:fillRef idx="1">
+            <a:schemeClr val="accent5"/>
+          </a:fillRef>
+          <a:effectRef idx="1">
+            <a:schemeClr val="accent5"/>
+          </a:effectRef>
+          <a:fontRef idx="minor">
+            <a:schemeClr val="lt1"/>
+          </a:fontRef>
+        </p:style>
+        <p:txBody>
+          <a:bodyPr rtlCol="0" anchor="ctr"/>
+          <a:lstStyle/>
+          <a:p>
+            <a:pPr algn="ctr"/>
+            <a:r>
+              <a:rPr lang="es-MX" sz="2000" b="1" dirty="0">
+                <a:solidFill>
+                  <a:schemeClr val="tx1"/>
+                </a:solidFill>
+              </a:rPr>
+              <a:t>(n-1)^2</a:t>
+            </a:r>
+            <a:endParaRPr lang="es-MX" sz="2000" dirty="0">
+              <a:solidFill>
+                <a:schemeClr val="tx1"/>
+              </a:solidFill>
+            </a:endParaRPr>
+          </a:p>
+        </p:txBody>
+      </p:sp>
+    </p:spTree>
+    <p:extLst>
+      <p:ext uri="{BB962C8B-B14F-4D97-AF65-F5344CB8AC3E}">
+        <p14:creationId xmlns:p14="http://schemas.microsoft.com/office/powerpoint/2010/main" val="936267118"/>
+      </p:ext>
+    </p:extLst>
+  </p:cSld>
+  <p:clrMapOvr>
+    <a:masterClrMapping/>
+  </p:clrMapOvr>
+</p:sld>
+</file>
+
+<file path=ppt/slides/slide11.xml><?xml version="1.0" encoding="utf-8"?>
+<p:sld xmlns:a="http://schemas.openxmlformats.org/drawingml/2006/main" xmlns:r="http://schemas.openxmlformats.org/officeDocument/2006/relationships" xmlns:p="http://schemas.openxmlformats.org/presentationml/2006/main">
+  <p:cSld>
+    <p:spTree>
+      <p:nvGrpSpPr>
+        <p:cNvPr id="1" name=""/>
+        <p:cNvGrpSpPr/>
+        <p:nvPr/>
+      </p:nvGrpSpPr>
+      <p:grpSpPr>
+        <a:xfrm>
+          <a:off x="0" y="0"/>
+          <a:ext cx="0" cy="0"/>
+          <a:chOff x="0" y="0"/>
+          <a:chExt cx="0" cy="0"/>
+        </a:xfrm>
+      </p:grpSpPr>
+      <p:pic>
+        <p:nvPicPr>
+          <p:cNvPr id="2" name="Imagen 1">
+            <a:extLst>
+              <a:ext uri="{FF2B5EF4-FFF2-40B4-BE49-F238E27FC236}">
+                <a16:creationId xmlns:a16="http://schemas.microsoft.com/office/drawing/2014/main" id="{9F5D0FD1-7599-427D-BCC6-8C6E708A0A04}"/>
+              </a:ext>
+            </a:extLst>
+          </p:cNvPr>
+          <p:cNvPicPr>
+            <a:picLocks noChangeAspect="1"/>
+          </p:cNvPicPr>
+          <p:nvPr/>
+        </p:nvPicPr>
+        <p:blipFill>
+          <a:blip r:embed="rId2"/>
+          <a:stretch>
+            <a:fillRect/>
+          </a:stretch>
+        </p:blipFill>
+        <p:spPr>
+          <a:xfrm>
+            <a:off x="3429000" y="1628775"/>
+            <a:ext cx="5334000" cy="3600450"/>
+          </a:xfrm>
+          <a:prstGeom prst="rect">
+            <a:avLst/>
+          </a:prstGeom>
+        </p:spPr>
+      </p:pic>
+    </p:spTree>
+    <p:extLst>
+      <p:ext uri="{BB962C8B-B14F-4D97-AF65-F5344CB8AC3E}">
+        <p14:creationId xmlns:p14="http://schemas.microsoft.com/office/powerpoint/2010/main" val="609239320"/>
+      </p:ext>
+    </p:extLst>
+  </p:cSld>
+  <p:clrMapOvr>
+    <a:masterClrMapping/>
+  </p:clrMapOvr>
+</p:sld>
+</file>
+
+<file path=ppt/slides/slide12.xml><?xml version="1.0" encoding="utf-8"?>
+<p:sld xmlns:a="http://schemas.openxmlformats.org/drawingml/2006/main" xmlns:r="http://schemas.openxmlformats.org/officeDocument/2006/relationships" xmlns:p="http://schemas.openxmlformats.org/presentationml/2006/main">
+  <p:cSld>
+    <p:spTree>
+      <p:nvGrpSpPr>
+        <p:cNvPr id="1" name=""/>
+        <p:cNvGrpSpPr/>
+        <p:nvPr/>
+      </p:nvGrpSpPr>
+      <p:grpSpPr>
+        <a:xfrm>
+          <a:off x="0" y="0"/>
+          <a:ext cx="0" cy="0"/>
+          <a:chOff x="0" y="0"/>
+          <a:chExt cx="0" cy="0"/>
+        </a:xfrm>
+      </p:grpSpPr>
+      <p:pic>
+        <p:nvPicPr>
+          <p:cNvPr id="2" name="Imagen 1">
+            <a:extLst>
+              <a:ext uri="{FF2B5EF4-FFF2-40B4-BE49-F238E27FC236}">
+                <a16:creationId xmlns:a16="http://schemas.microsoft.com/office/drawing/2014/main" id="{9CC9B90E-AD61-492B-A9DF-3C8697093E90}"/>
+              </a:ext>
+            </a:extLst>
+          </p:cNvPr>
+          <p:cNvPicPr>
+            <a:picLocks noChangeAspect="1"/>
+          </p:cNvPicPr>
+          <p:nvPr/>
+        </p:nvPicPr>
+        <p:blipFill rotWithShape="1">
+          <a:blip r:embed="rId2"/>
+          <a:srcRect l="9347"/>
+          <a:stretch/>
+        </p:blipFill>
+        <p:spPr>
+          <a:xfrm>
+            <a:off x="2101516" y="785251"/>
+            <a:ext cx="6009772" cy="4905375"/>
+          </a:xfrm>
+          <a:prstGeom prst="rect">
+            <a:avLst/>
+          </a:prstGeom>
+        </p:spPr>
+      </p:pic>
+      <p:sp>
+        <p:nvSpPr>
+          <p:cNvPr id="3" name="Abrir llave 2">
+            <a:extLst>
+              <a:ext uri="{FF2B5EF4-FFF2-40B4-BE49-F238E27FC236}">
+                <a16:creationId xmlns:a16="http://schemas.microsoft.com/office/drawing/2014/main" id="{5FE919C5-FB8D-40CD-92EF-499522EA9F81}"/>
+              </a:ext>
+            </a:extLst>
+          </p:cNvPr>
+          <p:cNvSpPr/>
+          <p:nvPr/>
+        </p:nvSpPr>
+        <p:spPr>
+          <a:xfrm rot="10800000" flipH="1">
+            <a:off x="2305786" y="1662187"/>
+            <a:ext cx="231782" cy="1349428"/>
+          </a:xfrm>
+          <a:prstGeom prst="leftBrace">
+            <a:avLst>
+              <a:gd name="adj1" fmla="val 8333"/>
+              <a:gd name="adj2" fmla="val 50000"/>
+            </a:avLst>
+          </a:prstGeom>
+          <a:solidFill>
+            <a:schemeClr val="bg1"/>
+          </a:solidFill>
+          <a:ln w="38100">
+            <a:solidFill>
+              <a:schemeClr val="tx1"/>
+            </a:solidFill>
+          </a:ln>
+        </p:spPr>
+        <p:style>
+          <a:lnRef idx="1">
+            <a:schemeClr val="accent1"/>
+          </a:lnRef>
+          <a:fillRef idx="0">
+            <a:schemeClr val="accent1"/>
+          </a:fillRef>
+          <a:effectRef idx="0">
+            <a:schemeClr val="accent1"/>
+          </a:effectRef>
+          <a:fontRef idx="minor">
+            <a:schemeClr val="tx1"/>
+          </a:fontRef>
+        </p:style>
+        <p:txBody>
+          <a:bodyPr rtlCol="0" anchor="ctr"/>
+          <a:lstStyle/>
+          <a:p>
+            <a:pPr algn="ctr"/>
+            <a:endParaRPr lang="es-MX"/>
+          </a:p>
+        </p:txBody>
+      </p:sp>
+      <mc:AlternateContent xmlns:mc="http://schemas.openxmlformats.org/markup-compatibility/2006">
+        <mc:Choice xmlns:a14="http://schemas.microsoft.com/office/drawing/2010/main" Requires="a14">
+          <p:sp>
+            <p:nvSpPr>
+              <p:cNvPr id="5" name="Rectángulo 4">
+                <a:extLst>
+                  <a:ext uri="{FF2B5EF4-FFF2-40B4-BE49-F238E27FC236}">
+                    <a16:creationId xmlns:a16="http://schemas.microsoft.com/office/drawing/2014/main" id="{4F72AAB3-8E68-4B4D-823A-F3E935111C1F}"/>
+                  </a:ext>
+                </a:extLst>
+              </p:cNvPr>
+              <p:cNvSpPr/>
+              <p:nvPr/>
+            </p:nvSpPr>
+            <p:spPr>
+              <a:xfrm>
+                <a:off x="443194" y="2052271"/>
+                <a:ext cx="1809402" cy="648346"/>
+              </a:xfrm>
+              <a:prstGeom prst="rect">
+                <a:avLst/>
+              </a:prstGeom>
+            </p:spPr>
+            <p:style>
+              <a:lnRef idx="2">
+                <a:schemeClr val="accent2">
+                  <a:shade val="50000"/>
+                </a:schemeClr>
+              </a:lnRef>
+              <a:fillRef idx="1">
+                <a:schemeClr val="accent2"/>
+              </a:fillRef>
+              <a:effectRef idx="0">
+                <a:schemeClr val="accent2"/>
+              </a:effectRef>
+              <a:fontRef idx="minor">
+                <a:schemeClr val="lt1"/>
+              </a:fontRef>
+            </p:style>
+            <p:txBody>
+              <a:bodyPr rtlCol="0" anchor="ctr"/>
+              <a:lstStyle/>
+              <a:p>
+                <a:pPr algn="ctr"/>
+                <a14:m>
+                  <m:oMathPara xmlns:m="http://schemas.openxmlformats.org/officeDocument/2006/math">
+                    <m:oMathParaPr>
+                      <m:jc m:val="centerGroup"/>
+                    </m:oMathParaPr>
+                    <m:oMath xmlns:m="http://schemas.openxmlformats.org/officeDocument/2006/math">
+                      <m:r>
+                        <a:rPr lang="es-MX" b="1" i="1" smtClean="0">
+                          <a:latin typeface="Cambria Math" panose="02040503050406030204" pitchFamily="18" charset="0"/>
+                        </a:rPr>
+                        <m:t>𝒏</m:t>
+                      </m:r>
+                      <m:r>
+                        <a:rPr lang="es-MX" b="1" i="1" smtClean="0">
+                          <a:latin typeface="Cambria Math" panose="02040503050406030204" pitchFamily="18" charset="0"/>
+                        </a:rPr>
+                        <m:t>+</m:t>
+                      </m:r>
+                      <m:f>
+                        <m:fPr>
+                          <m:ctrlPr>
+                            <a:rPr lang="es-MX" b="1" i="1" smtClean="0">
+                              <a:latin typeface="Cambria Math" panose="02040503050406030204" pitchFamily="18" charset="0"/>
+                            </a:rPr>
+                          </m:ctrlPr>
+                        </m:fPr>
+                        <m:num>
+                          <m:r>
+                            <a:rPr lang="es-MX" b="1" i="1" smtClean="0">
+                              <a:latin typeface="Cambria Math" panose="02040503050406030204" pitchFamily="18" charset="0"/>
+                            </a:rPr>
+                            <m:t>𝒏</m:t>
+                          </m:r>
+                          <m:sSup>
+                            <m:sSupPr>
+                              <m:ctrlPr>
+                                <a:rPr lang="es-MX" b="1" i="1" smtClean="0">
+                                  <a:latin typeface="Cambria Math" panose="02040503050406030204" pitchFamily="18" charset="0"/>
+                                </a:rPr>
+                              </m:ctrlPr>
+                            </m:sSupPr>
+                            <m:e>
+                              <m:r>
+                                <a:rPr lang="es-MX" b="1" i="1" smtClean="0">
+                                  <a:latin typeface="Cambria Math" panose="02040503050406030204" pitchFamily="18" charset="0"/>
+                                </a:rPr>
+                                <m:t>(</m:t>
+                              </m:r>
+                              <m:r>
+                                <a:rPr lang="es-MX" b="1" i="1" smtClean="0">
+                                  <a:latin typeface="Cambria Math" panose="02040503050406030204" pitchFamily="18" charset="0"/>
+                                </a:rPr>
+                                <m:t>𝒏</m:t>
+                              </m:r>
+                              <m:r>
+                                <a:rPr lang="es-MX" b="1" i="1" smtClean="0">
+                                  <a:latin typeface="Cambria Math" panose="02040503050406030204" pitchFamily="18" charset="0"/>
+                                </a:rPr>
+                                <m:t>−</m:t>
+                              </m:r>
+                              <m:r>
+                                <a:rPr lang="es-MX" b="1" i="1" smtClean="0">
+                                  <a:latin typeface="Cambria Math" panose="02040503050406030204" pitchFamily="18" charset="0"/>
+                                </a:rPr>
+                                <m:t>𝟏</m:t>
+                              </m:r>
+                              <m:r>
+                                <a:rPr lang="es-MX" b="1" i="1" smtClean="0">
+                                  <a:latin typeface="Cambria Math" panose="02040503050406030204" pitchFamily="18" charset="0"/>
+                                </a:rPr>
+                                <m:t>)</m:t>
+                              </m:r>
+                            </m:e>
+                            <m:sup>
+                              <m:r>
+                                <a:rPr lang="es-MX" b="1" i="1" smtClean="0">
+                                  <a:latin typeface="Cambria Math" panose="02040503050406030204" pitchFamily="18" charset="0"/>
+                                </a:rPr>
+                                <m:t>𝟐</m:t>
+                              </m:r>
+                            </m:sup>
+                          </m:sSup>
+                        </m:num>
+                        <m:den>
+                          <m:r>
+                            <a:rPr lang="es-MX" b="1" i="1" smtClean="0">
+                              <a:latin typeface="Cambria Math" panose="02040503050406030204" pitchFamily="18" charset="0"/>
+                            </a:rPr>
+                            <m:t>𝟐</m:t>
+                          </m:r>
+                        </m:den>
+                      </m:f>
+                    </m:oMath>
+                  </m:oMathPara>
+                </a14:m>
+                <a:endParaRPr lang="es-MX" b="1" dirty="0"/>
+              </a:p>
+            </p:txBody>
+          </p:sp>
+        </mc:Choice>
+        <mc:Fallback>
+          <p:sp>
+            <p:nvSpPr>
+              <p:cNvPr id="5" name="Rectángulo 4">
+                <a:extLst>
+                  <a:ext uri="{FF2B5EF4-FFF2-40B4-BE49-F238E27FC236}">
+                    <a16:creationId xmlns:a16="http://schemas.microsoft.com/office/drawing/2014/main" id="{4F72AAB3-8E68-4B4D-823A-F3E935111C1F}"/>
+                  </a:ext>
+                </a:extLst>
+              </p:cNvPr>
+              <p:cNvSpPr>
+                <a:spLocks noRot="1" noChangeAspect="1" noMove="1" noResize="1" noEditPoints="1" noAdjustHandles="1" noChangeArrowheads="1" noChangeShapeType="1" noTextEdit="1"/>
+              </p:cNvSpPr>
+              <p:nvPr/>
+            </p:nvSpPr>
+            <p:spPr>
+              <a:xfrm>
+                <a:off x="443194" y="2052271"/>
+                <a:ext cx="1809402" cy="648346"/>
+              </a:xfrm>
+              <a:prstGeom prst="rect">
+                <a:avLst/>
+              </a:prstGeom>
+              <a:blipFill>
+                <a:blip r:embed="rId3"/>
+                <a:stretch>
+                  <a:fillRect/>
+                </a:stretch>
+              </a:blipFill>
+            </p:spPr>
+            <p:txBody>
+              <a:bodyPr/>
+              <a:lstStyle/>
+              <a:p>
+                <a:r>
+                  <a:rPr lang="es-MX">
+                    <a:noFill/>
+                  </a:rPr>
+                  <a:t> </a:t>
+                </a:r>
+              </a:p>
+            </p:txBody>
+          </p:sp>
+        </mc:Fallback>
+      </mc:AlternateContent>
+      <p:sp>
+        <p:nvSpPr>
+          <p:cNvPr id="6" name="Abrir llave 5">
+            <a:extLst>
+              <a:ext uri="{FF2B5EF4-FFF2-40B4-BE49-F238E27FC236}">
+                <a16:creationId xmlns:a16="http://schemas.microsoft.com/office/drawing/2014/main" id="{E9CE583D-9CCA-494C-9C68-362998396EFD}"/>
+              </a:ext>
+            </a:extLst>
+          </p:cNvPr>
+          <p:cNvSpPr/>
+          <p:nvPr/>
+        </p:nvSpPr>
+        <p:spPr>
+          <a:xfrm flipH="1">
+            <a:off x="7565678" y="1638923"/>
+            <a:ext cx="342895" cy="2791474"/>
+          </a:xfrm>
+          <a:prstGeom prst="leftBrace">
+            <a:avLst>
+              <a:gd name="adj1" fmla="val 8333"/>
+              <a:gd name="adj2" fmla="val 50000"/>
+            </a:avLst>
+          </a:prstGeom>
+          <a:solidFill>
+            <a:schemeClr val="bg1"/>
+          </a:solidFill>
+          <a:ln w="38100">
+            <a:solidFill>
+              <a:schemeClr val="tx1"/>
+            </a:solidFill>
+          </a:ln>
+        </p:spPr>
+        <p:style>
+          <a:lnRef idx="1">
+            <a:schemeClr val="accent1"/>
+          </a:lnRef>
+          <a:fillRef idx="0">
+            <a:schemeClr val="accent1"/>
+          </a:fillRef>
+          <a:effectRef idx="0">
+            <a:schemeClr val="accent1"/>
+          </a:effectRef>
+          <a:fontRef idx="minor">
+            <a:schemeClr val="tx1"/>
+          </a:fontRef>
+        </p:style>
+        <p:txBody>
+          <a:bodyPr rtlCol="0" anchor="ctr"/>
+          <a:lstStyle/>
+          <a:p>
+            <a:pPr algn="ctr"/>
+            <a:endParaRPr lang="es-MX"/>
+          </a:p>
+        </p:txBody>
+      </p:sp>
+      <p:sp>
+        <p:nvSpPr>
+          <p:cNvPr id="7" name="Elipse 6">
+            <a:extLst>
+              <a:ext uri="{FF2B5EF4-FFF2-40B4-BE49-F238E27FC236}">
+                <a16:creationId xmlns:a16="http://schemas.microsoft.com/office/drawing/2014/main" id="{942425BF-C31E-476C-BD4F-E8A6CB2FCEE3}"/>
+              </a:ext>
+            </a:extLst>
+          </p:cNvPr>
+          <p:cNvSpPr/>
+          <p:nvPr/>
+        </p:nvSpPr>
+        <p:spPr>
+          <a:xfrm>
+            <a:off x="4782237" y="1039127"/>
+            <a:ext cx="282389" cy="284630"/>
+          </a:xfrm>
+          <a:prstGeom prst="ellipse">
+            <a:avLst/>
+          </a:prstGeom>
+        </p:spPr>
+        <p:style>
+          <a:lnRef idx="3">
+            <a:schemeClr val="lt1"/>
+          </a:lnRef>
+          <a:fillRef idx="1">
+            <a:schemeClr val="accent6"/>
+          </a:fillRef>
+          <a:effectRef idx="1">
+            <a:schemeClr val="accent6"/>
+          </a:effectRef>
+          <a:fontRef idx="minor">
+            <a:schemeClr val="lt1"/>
+          </a:fontRef>
+        </p:style>
+        <p:txBody>
+          <a:bodyPr rtlCol="0" anchor="ctr"/>
+          <a:lstStyle/>
+          <a:p>
+            <a:pPr algn="ctr"/>
+            <a:r>
+              <a:rPr lang="es-MX" b="1" dirty="0"/>
+              <a:t>1</a:t>
+            </a:r>
+          </a:p>
+        </p:txBody>
+      </p:sp>
+      <p:cxnSp>
+        <p:nvCxnSpPr>
+          <p:cNvPr id="8" name="Conector recto 7">
+            <a:extLst>
+              <a:ext uri="{FF2B5EF4-FFF2-40B4-BE49-F238E27FC236}">
+                <a16:creationId xmlns:a16="http://schemas.microsoft.com/office/drawing/2014/main" id="{C549231F-EA19-40C3-B7BA-686D7372CAAA}"/>
+              </a:ext>
+            </a:extLst>
+          </p:cNvPr>
+          <p:cNvCxnSpPr>
+            <a:cxnSpLocks/>
+          </p:cNvCxnSpPr>
+          <p:nvPr/>
+        </p:nvCxnSpPr>
+        <p:spPr>
+          <a:xfrm>
+            <a:off x="2523500" y="3011615"/>
+            <a:ext cx="971958" cy="0"/>
+          </a:xfrm>
+          <a:prstGeom prst="line">
+            <a:avLst/>
+          </a:prstGeom>
+          <a:ln w="38100">
+            <a:solidFill>
+              <a:schemeClr val="tx1"/>
+            </a:solidFill>
+            <a:prstDash val="sysDot"/>
+          </a:ln>
+        </p:spPr>
+        <p:style>
+          <a:lnRef idx="1">
+            <a:schemeClr val="accent1"/>
+          </a:lnRef>
+          <a:fillRef idx="0">
+            <a:schemeClr val="accent1"/>
+          </a:fillRef>
+          <a:effectRef idx="0">
+            <a:schemeClr val="accent1"/>
+          </a:effectRef>
+          <a:fontRef idx="minor">
+            <a:schemeClr val="tx1"/>
+          </a:fontRef>
+        </p:style>
+      </p:cxnSp>
+      <mc:AlternateContent xmlns:mc="http://schemas.openxmlformats.org/markup-compatibility/2006">
+        <mc:Choice xmlns:a14="http://schemas.microsoft.com/office/drawing/2010/main" Requires="a14">
+          <p:sp>
+            <p:nvSpPr>
+              <p:cNvPr id="9" name="Rectángulo 8">
+                <a:extLst>
+                  <a:ext uri="{FF2B5EF4-FFF2-40B4-BE49-F238E27FC236}">
+                    <a16:creationId xmlns:a16="http://schemas.microsoft.com/office/drawing/2014/main" id="{2EB20766-7734-49BA-B319-C5B8DEE580F9}"/>
+                  </a:ext>
+                </a:extLst>
+              </p:cNvPr>
+              <p:cNvSpPr/>
+              <p:nvPr/>
+            </p:nvSpPr>
+            <p:spPr>
+              <a:xfrm>
+                <a:off x="6904786" y="2763370"/>
+                <a:ext cx="1799474" cy="665630"/>
+              </a:xfrm>
+              <a:prstGeom prst="rect">
+                <a:avLst/>
+              </a:prstGeom>
+            </p:spPr>
+            <p:style>
+              <a:lnRef idx="3">
+                <a:schemeClr val="lt1"/>
+              </a:lnRef>
+              <a:fillRef idx="1">
+                <a:schemeClr val="accent5"/>
+              </a:fillRef>
+              <a:effectRef idx="1">
+                <a:schemeClr val="accent5"/>
+              </a:effectRef>
+              <a:fontRef idx="minor">
+                <a:schemeClr val="lt1"/>
+              </a:fontRef>
+            </p:style>
+            <p:txBody>
+              <a:bodyPr rtlCol="0" anchor="ctr"/>
+              <a:lstStyle/>
+              <a:p>
+                <a:pPr algn="ctr"/>
+                <a14:m>
+                  <m:oMathPara xmlns:m="http://schemas.openxmlformats.org/officeDocument/2006/math">
+                    <m:oMathParaPr>
+                      <m:jc m:val="centerGroup"/>
+                    </m:oMathParaPr>
+                    <m:oMath xmlns:m="http://schemas.openxmlformats.org/officeDocument/2006/math">
+                      <m:r>
+                        <a:rPr lang="es-MX" b="1" i="1" smtClean="0">
+                          <a:latin typeface="Cambria Math" panose="02040503050406030204" pitchFamily="18" charset="0"/>
+                        </a:rPr>
+                        <m:t>𝒏</m:t>
+                      </m:r>
+                      <m:r>
+                        <a:rPr lang="es-MX" b="1" i="1" smtClean="0">
+                          <a:latin typeface="Cambria Math" panose="02040503050406030204" pitchFamily="18" charset="0"/>
+                        </a:rPr>
+                        <m:t>+</m:t>
+                      </m:r>
+                      <m:f>
+                        <m:fPr>
+                          <m:ctrlPr>
+                            <a:rPr lang="es-MX" b="1" i="1" smtClean="0">
+                              <a:latin typeface="Cambria Math" panose="02040503050406030204" pitchFamily="18" charset="0"/>
+                            </a:rPr>
+                          </m:ctrlPr>
+                        </m:fPr>
+                        <m:num>
+                          <m:r>
+                            <a:rPr lang="es-MX" b="1" i="1" smtClean="0">
+                              <a:latin typeface="Cambria Math" panose="02040503050406030204" pitchFamily="18" charset="0"/>
+                            </a:rPr>
+                            <m:t>𝟓</m:t>
+                          </m:r>
+                        </m:num>
+                        <m:den>
+                          <m:r>
+                            <a:rPr lang="es-MX" b="1" i="1" smtClean="0">
+                              <a:latin typeface="Cambria Math" panose="02040503050406030204" pitchFamily="18" charset="0"/>
+                            </a:rPr>
+                            <m:t>𝟐</m:t>
+                          </m:r>
+                        </m:den>
+                      </m:f>
+                      <m:r>
+                        <a:rPr lang="es-MX" b="1" i="1" smtClean="0">
+                          <a:latin typeface="Cambria Math" panose="02040503050406030204" pitchFamily="18" charset="0"/>
+                        </a:rPr>
+                        <m:t>𝒏</m:t>
+                      </m:r>
+                      <m:r>
+                        <a:rPr lang="es-MX" b="1" i="1" smtClean="0">
+                          <a:latin typeface="Cambria Math" panose="02040503050406030204" pitchFamily="18" charset="0"/>
+                        </a:rPr>
+                        <m:t>(</m:t>
+                      </m:r>
+                      <m:r>
+                        <a:rPr lang="es-MX" b="1" i="1" smtClean="0">
+                          <a:latin typeface="Cambria Math" panose="02040503050406030204" pitchFamily="18" charset="0"/>
+                        </a:rPr>
+                        <m:t>𝒏</m:t>
+                      </m:r>
+                      <m:r>
+                        <a:rPr lang="es-MX" b="1" i="1" smtClean="0">
+                          <a:latin typeface="Cambria Math" panose="02040503050406030204" pitchFamily="18" charset="0"/>
+                        </a:rPr>
+                        <m:t>−</m:t>
+                      </m:r>
+                      <m:r>
+                        <a:rPr lang="es-MX" b="1" i="1" smtClean="0">
+                          <a:latin typeface="Cambria Math" panose="02040503050406030204" pitchFamily="18" charset="0"/>
+                        </a:rPr>
+                        <m:t>𝟏</m:t>
+                      </m:r>
+                      <m:r>
+                        <a:rPr lang="es-MX" b="1" i="1" smtClean="0">
+                          <a:latin typeface="Cambria Math" panose="02040503050406030204" pitchFamily="18" charset="0"/>
+                        </a:rPr>
+                        <m:t>)</m:t>
+                      </m:r>
+                    </m:oMath>
+                  </m:oMathPara>
+                </a14:m>
+                <a:endParaRPr lang="es-MX" b="1" dirty="0"/>
+              </a:p>
+            </p:txBody>
+          </p:sp>
+        </mc:Choice>
+        <mc:Fallback>
+          <p:sp>
+            <p:nvSpPr>
+              <p:cNvPr id="9" name="Rectángulo 8">
+                <a:extLst>
+                  <a:ext uri="{FF2B5EF4-FFF2-40B4-BE49-F238E27FC236}">
+                    <a16:creationId xmlns:a16="http://schemas.microsoft.com/office/drawing/2014/main" id="{2EB20766-7734-49BA-B319-C5B8DEE580F9}"/>
+                  </a:ext>
+                </a:extLst>
+              </p:cNvPr>
+              <p:cNvSpPr>
+                <a:spLocks noRot="1" noChangeAspect="1" noMove="1" noResize="1" noEditPoints="1" noAdjustHandles="1" noChangeArrowheads="1" noChangeShapeType="1" noTextEdit="1"/>
+              </p:cNvSpPr>
+              <p:nvPr/>
+            </p:nvSpPr>
+            <p:spPr>
+              <a:xfrm>
+                <a:off x="6904786" y="2763370"/>
+                <a:ext cx="1799474" cy="665630"/>
+              </a:xfrm>
+              <a:prstGeom prst="rect">
+                <a:avLst/>
+              </a:prstGeom>
+              <a:blipFill>
+                <a:blip r:embed="rId4"/>
+                <a:stretch>
+                  <a:fillRect/>
+                </a:stretch>
+              </a:blipFill>
+            </p:spPr>
+            <p:txBody>
+              <a:bodyPr/>
+              <a:lstStyle/>
+              <a:p>
+                <a:r>
+                  <a:rPr lang="es-MX">
+                    <a:noFill/>
+                  </a:rPr>
+                  <a:t> </a:t>
+                </a:r>
+              </a:p>
+            </p:txBody>
+          </p:sp>
+        </mc:Fallback>
+      </mc:AlternateContent>
+      <p:sp>
+        <p:nvSpPr>
+          <p:cNvPr id="11" name="Elipse 10">
+            <a:extLst>
+              <a:ext uri="{FF2B5EF4-FFF2-40B4-BE49-F238E27FC236}">
+                <a16:creationId xmlns:a16="http://schemas.microsoft.com/office/drawing/2014/main" id="{50F7A032-1602-4C93-8A0C-7BF22BC7F2C1}"/>
+              </a:ext>
+            </a:extLst>
+          </p:cNvPr>
+          <p:cNvSpPr/>
+          <p:nvPr/>
+        </p:nvSpPr>
+        <p:spPr>
+          <a:xfrm>
+            <a:off x="5233974" y="2052271"/>
+            <a:ext cx="282389" cy="284630"/>
+          </a:xfrm>
+          <a:prstGeom prst="ellipse">
+            <a:avLst/>
+          </a:prstGeom>
+        </p:spPr>
+        <p:style>
+          <a:lnRef idx="3">
+            <a:schemeClr val="lt1"/>
+          </a:lnRef>
+          <a:fillRef idx="1">
+            <a:schemeClr val="accent6"/>
+          </a:fillRef>
+          <a:effectRef idx="1">
+            <a:schemeClr val="accent6"/>
+          </a:effectRef>
+          <a:fontRef idx="minor">
+            <a:schemeClr val="lt1"/>
+          </a:fontRef>
+        </p:style>
+        <p:txBody>
+          <a:bodyPr rtlCol="0" anchor="ctr"/>
+          <a:lstStyle/>
+          <a:p>
+            <a:pPr algn="ctr"/>
+            <a:r>
+              <a:rPr lang="es-MX" b="1" dirty="0"/>
+              <a:t>1</a:t>
+            </a:r>
+          </a:p>
+        </p:txBody>
+      </p:sp>
+      <p:sp>
+        <p:nvSpPr>
+          <p:cNvPr id="12" name="Elipse 11">
+            <a:extLst>
+              <a:ext uri="{FF2B5EF4-FFF2-40B4-BE49-F238E27FC236}">
+                <a16:creationId xmlns:a16="http://schemas.microsoft.com/office/drawing/2014/main" id="{9B888407-323C-42EF-ABD7-EC6DA5D6C6FB}"/>
+              </a:ext>
+            </a:extLst>
+          </p:cNvPr>
+          <p:cNvSpPr/>
+          <p:nvPr/>
+        </p:nvSpPr>
+        <p:spPr>
+          <a:xfrm>
+            <a:off x="6252691" y="4145766"/>
+            <a:ext cx="282389" cy="284630"/>
+          </a:xfrm>
+          <a:prstGeom prst="ellipse">
+            <a:avLst/>
+          </a:prstGeom>
+        </p:spPr>
+        <p:style>
+          <a:lnRef idx="3">
+            <a:schemeClr val="lt1"/>
+          </a:lnRef>
+          <a:fillRef idx="1">
+            <a:schemeClr val="accent6"/>
+          </a:fillRef>
+          <a:effectRef idx="1">
+            <a:schemeClr val="accent6"/>
+          </a:effectRef>
+          <a:fontRef idx="minor">
+            <a:schemeClr val="lt1"/>
+          </a:fontRef>
+        </p:style>
+        <p:txBody>
+          <a:bodyPr rtlCol="0" anchor="ctr"/>
+          <a:lstStyle/>
+          <a:p>
+            <a:pPr algn="ctr"/>
+            <a:r>
+              <a:rPr lang="es-MX" b="1" dirty="0"/>
+              <a:t>1</a:t>
+            </a:r>
+          </a:p>
+        </p:txBody>
+      </p:sp>
+      <p:sp>
+        <p:nvSpPr>
+          <p:cNvPr id="17" name="Elipse 16">
+            <a:extLst>
+              <a:ext uri="{FF2B5EF4-FFF2-40B4-BE49-F238E27FC236}">
+                <a16:creationId xmlns:a16="http://schemas.microsoft.com/office/drawing/2014/main" id="{C5EE34AA-005C-4755-BEAE-928C287156C7}"/>
+              </a:ext>
+            </a:extLst>
+          </p:cNvPr>
+          <p:cNvSpPr/>
+          <p:nvPr/>
+        </p:nvSpPr>
+        <p:spPr>
+          <a:xfrm>
+            <a:off x="6150757" y="2859769"/>
+            <a:ext cx="282389" cy="284630"/>
+          </a:xfrm>
+          <a:prstGeom prst="ellipse">
+            <a:avLst/>
+          </a:prstGeom>
+        </p:spPr>
+        <p:style>
+          <a:lnRef idx="3">
+            <a:schemeClr val="lt1"/>
+          </a:lnRef>
+          <a:fillRef idx="1">
+            <a:schemeClr val="accent6"/>
+          </a:fillRef>
+          <a:effectRef idx="1">
+            <a:schemeClr val="accent6"/>
+          </a:effectRef>
+          <a:fontRef idx="minor">
+            <a:schemeClr val="lt1"/>
+          </a:fontRef>
+        </p:style>
+        <p:txBody>
+          <a:bodyPr rtlCol="0" anchor="ctr"/>
+          <a:lstStyle/>
+          <a:p>
+            <a:pPr algn="ctr"/>
+            <a:r>
+              <a:rPr lang="es-MX" b="1" dirty="0"/>
+              <a:t>1</a:t>
+            </a:r>
+          </a:p>
+        </p:txBody>
+      </p:sp>
+      <p:sp>
+        <p:nvSpPr>
+          <p:cNvPr id="18" name="Elipse 17">
+            <a:extLst>
+              <a:ext uri="{FF2B5EF4-FFF2-40B4-BE49-F238E27FC236}">
+                <a16:creationId xmlns:a16="http://schemas.microsoft.com/office/drawing/2014/main" id="{BA9A83E4-2915-404E-A598-F542F72C3801}"/>
+              </a:ext>
+            </a:extLst>
+          </p:cNvPr>
+          <p:cNvSpPr/>
+          <p:nvPr/>
+        </p:nvSpPr>
+        <p:spPr>
+          <a:xfrm>
+            <a:off x="5813611" y="3328889"/>
+            <a:ext cx="282389" cy="284630"/>
+          </a:xfrm>
+          <a:prstGeom prst="ellipse">
+            <a:avLst/>
+          </a:prstGeom>
+        </p:spPr>
+        <p:style>
+          <a:lnRef idx="3">
+            <a:schemeClr val="lt1"/>
+          </a:lnRef>
+          <a:fillRef idx="1">
+            <a:schemeClr val="accent6"/>
+          </a:fillRef>
+          <a:effectRef idx="1">
+            <a:schemeClr val="accent6"/>
+          </a:effectRef>
+          <a:fontRef idx="minor">
+            <a:schemeClr val="lt1"/>
+          </a:fontRef>
+        </p:style>
+        <p:txBody>
+          <a:bodyPr rtlCol="0" anchor="ctr"/>
+          <a:lstStyle/>
+          <a:p>
+            <a:pPr algn="ctr"/>
+            <a:r>
+              <a:rPr lang="es-MX" b="1" dirty="0"/>
+              <a:t>1</a:t>
+            </a:r>
+          </a:p>
+        </p:txBody>
+      </p:sp>
+      <p:sp>
+        <p:nvSpPr>
+          <p:cNvPr id="19" name="Elipse 18">
+            <a:extLst>
+              <a:ext uri="{FF2B5EF4-FFF2-40B4-BE49-F238E27FC236}">
+                <a16:creationId xmlns:a16="http://schemas.microsoft.com/office/drawing/2014/main" id="{C14D4099-5A94-4ADB-93D7-FE4787614185}"/>
+              </a:ext>
+            </a:extLst>
+          </p:cNvPr>
+          <p:cNvSpPr/>
+          <p:nvPr/>
+        </p:nvSpPr>
+        <p:spPr>
+          <a:xfrm>
+            <a:off x="5868368" y="3697942"/>
+            <a:ext cx="282389" cy="284630"/>
+          </a:xfrm>
+          <a:prstGeom prst="ellipse">
+            <a:avLst/>
+          </a:prstGeom>
+        </p:spPr>
+        <p:style>
+          <a:lnRef idx="3">
+            <a:schemeClr val="lt1"/>
+          </a:lnRef>
+          <a:fillRef idx="1">
+            <a:schemeClr val="accent6"/>
+          </a:fillRef>
+          <a:effectRef idx="1">
+            <a:schemeClr val="accent6"/>
+          </a:effectRef>
+          <a:fontRef idx="minor">
+            <a:schemeClr val="lt1"/>
+          </a:fontRef>
+        </p:style>
+        <p:txBody>
+          <a:bodyPr rtlCol="0" anchor="ctr"/>
+          <a:lstStyle/>
+          <a:p>
+            <a:pPr algn="ctr"/>
+            <a:r>
+              <a:rPr lang="es-MX" b="1" dirty="0"/>
+              <a:t>1</a:t>
+            </a:r>
+          </a:p>
+        </p:txBody>
+      </p:sp>
+    </p:spTree>
+    <p:extLst>
+      <p:ext uri="{BB962C8B-B14F-4D97-AF65-F5344CB8AC3E}">
+        <p14:creationId xmlns:p14="http://schemas.microsoft.com/office/powerpoint/2010/main" val="2956117652"/>
+      </p:ext>
+    </p:extLst>
+  </p:cSld>
+  <p:clrMapOvr>
+    <a:masterClrMapping/>
+  </p:clrMapOvr>
+</p:sld>
+</file>
+
+<file path=ppt/slides/slide13.xml><?xml version="1.0" encoding="utf-8"?>
+<p:sld xmlns:a="http://schemas.openxmlformats.org/drawingml/2006/main" xmlns:r="http://schemas.openxmlformats.org/officeDocument/2006/relationships" xmlns:p="http://schemas.openxmlformats.org/presentationml/2006/main">
+  <p:cSld>
+    <p:spTree>
+      <p:nvGrpSpPr>
+        <p:cNvPr id="1" name=""/>
+        <p:cNvGrpSpPr/>
+        <p:nvPr/>
+      </p:nvGrpSpPr>
+      <p:grpSpPr>
+        <a:xfrm>
+          <a:off x="0" y="0"/>
+          <a:ext cx="0" cy="0"/>
+          <a:chOff x="0" y="0"/>
+          <a:chExt cx="0" cy="0"/>
+        </a:xfrm>
+      </p:grpSpPr>
+      <p:pic>
+        <p:nvPicPr>
+          <p:cNvPr id="2" name="Imagen 1">
+            <a:extLst>
+              <a:ext uri="{FF2B5EF4-FFF2-40B4-BE49-F238E27FC236}">
+                <a16:creationId xmlns:a16="http://schemas.microsoft.com/office/drawing/2014/main" id="{9054532A-3888-47FC-94C3-6B3473BAC227}"/>
+              </a:ext>
+            </a:extLst>
+          </p:cNvPr>
+          <p:cNvPicPr>
+            <a:picLocks noChangeAspect="1"/>
+          </p:cNvPicPr>
+          <p:nvPr/>
+        </p:nvPicPr>
+        <p:blipFill rotWithShape="1">
+          <a:blip r:embed="rId2"/>
+          <a:srcRect l="8309"/>
+          <a:stretch/>
+        </p:blipFill>
+        <p:spPr>
+          <a:xfrm>
+            <a:off x="1586848" y="1217931"/>
+            <a:ext cx="5668102" cy="4162425"/>
+          </a:xfrm>
+          <a:prstGeom prst="rect">
+            <a:avLst/>
+          </a:prstGeom>
+        </p:spPr>
+      </p:pic>
+      <p:sp>
+        <p:nvSpPr>
+          <p:cNvPr id="14" name="Abrir llave 13">
+            <a:extLst>
+              <a:ext uri="{FF2B5EF4-FFF2-40B4-BE49-F238E27FC236}">
+                <a16:creationId xmlns:a16="http://schemas.microsoft.com/office/drawing/2014/main" id="{B943E87A-E9AC-4DAB-9BF9-643869F0FB62}"/>
+              </a:ext>
+            </a:extLst>
+          </p:cNvPr>
+          <p:cNvSpPr/>
+          <p:nvPr/>
+        </p:nvSpPr>
+        <p:spPr>
+          <a:xfrm rot="10800000" flipH="1">
+            <a:off x="2410500" y="1839977"/>
+            <a:ext cx="384323" cy="1078138"/>
+          </a:xfrm>
+          <a:prstGeom prst="leftBrace">
+            <a:avLst>
+              <a:gd name="adj1" fmla="val 8333"/>
+              <a:gd name="adj2" fmla="val 50000"/>
+            </a:avLst>
+          </a:prstGeom>
+          <a:solidFill>
+            <a:schemeClr val="bg1"/>
+          </a:solidFill>
+          <a:ln w="38100">
+            <a:solidFill>
+              <a:schemeClr val="tx1"/>
+            </a:solidFill>
+          </a:ln>
+        </p:spPr>
+        <p:style>
+          <a:lnRef idx="1">
+            <a:schemeClr val="accent1"/>
+          </a:lnRef>
+          <a:fillRef idx="0">
+            <a:schemeClr val="accent1"/>
+          </a:fillRef>
+          <a:effectRef idx="0">
+            <a:schemeClr val="accent1"/>
+          </a:effectRef>
+          <a:fontRef idx="minor">
+            <a:schemeClr val="tx1"/>
+          </a:fontRef>
+        </p:style>
+        <p:txBody>
+          <a:bodyPr rtlCol="0" anchor="ctr"/>
+          <a:lstStyle/>
+          <a:p>
+            <a:pPr algn="ctr"/>
+            <a:endParaRPr lang="es-MX"/>
+          </a:p>
+        </p:txBody>
+      </p:sp>
+      <mc:AlternateContent xmlns:mc="http://schemas.openxmlformats.org/markup-compatibility/2006">
+        <mc:Choice xmlns:a14="http://schemas.microsoft.com/office/drawing/2010/main" Requires="a14">
+          <p:sp>
+            <p:nvSpPr>
+              <p:cNvPr id="15" name="Rectángulo 14">
+                <a:extLst>
+                  <a:ext uri="{FF2B5EF4-FFF2-40B4-BE49-F238E27FC236}">
+                    <a16:creationId xmlns:a16="http://schemas.microsoft.com/office/drawing/2014/main" id="{3EE0A47F-054C-4DFB-94AF-2EB1B4D80D64}"/>
+                  </a:ext>
+                </a:extLst>
+              </p:cNvPr>
+              <p:cNvSpPr/>
+              <p:nvPr/>
+            </p:nvSpPr>
+            <p:spPr>
+              <a:xfrm>
+                <a:off x="1020939" y="2074644"/>
+                <a:ext cx="1193468" cy="608803"/>
+              </a:xfrm>
+              <a:prstGeom prst="rect">
+                <a:avLst/>
+              </a:prstGeom>
+            </p:spPr>
+            <p:style>
+              <a:lnRef idx="2">
+                <a:schemeClr val="accent2">
+                  <a:shade val="50000"/>
+                </a:schemeClr>
+              </a:lnRef>
+              <a:fillRef idx="1">
+                <a:schemeClr val="accent2"/>
+              </a:fillRef>
+              <a:effectRef idx="0">
+                <a:schemeClr val="accent2"/>
+              </a:effectRef>
+              <a:fontRef idx="minor">
+                <a:schemeClr val="lt1"/>
+              </a:fontRef>
+            </p:style>
+            <p:txBody>
+              <a:bodyPr rtlCol="0" anchor="ctr"/>
+              <a:lstStyle/>
+              <a:p>
+                <a:pPr algn="ctr"/>
+                <a14:m>
+                  <m:oMathPara xmlns:m="http://schemas.openxmlformats.org/officeDocument/2006/math">
+                    <m:oMathParaPr>
+                      <m:jc m:val="centerGroup"/>
+                    </m:oMathParaPr>
+                    <m:oMath xmlns:m="http://schemas.openxmlformats.org/officeDocument/2006/math">
+                      <m:f>
+                        <m:fPr>
+                          <m:ctrlPr>
+                            <a:rPr lang="es-MX" b="1" i="1" smtClean="0">
+                              <a:latin typeface="Cambria Math" panose="02040503050406030204" pitchFamily="18" charset="0"/>
+                            </a:rPr>
+                          </m:ctrlPr>
+                        </m:fPr>
+                        <m:num>
+                          <m:sSup>
+                            <m:sSupPr>
+                              <m:ctrlPr>
+                                <a:rPr lang="es-MX" b="1" i="1" smtClean="0">
+                                  <a:latin typeface="Cambria Math" panose="02040503050406030204" pitchFamily="18" charset="0"/>
+                                </a:rPr>
+                              </m:ctrlPr>
+                            </m:sSupPr>
+                            <m:e>
+                              <m:r>
+                                <a:rPr lang="es-MX" b="1" i="1" smtClean="0">
+                                  <a:latin typeface="Cambria Math" panose="02040503050406030204" pitchFamily="18" charset="0"/>
+                                </a:rPr>
+                                <m:t>𝒏</m:t>
+                              </m:r>
+                              <m:r>
+                                <a:rPr lang="es-MX" b="1" i="1" smtClean="0">
+                                  <a:latin typeface="Cambria Math" panose="02040503050406030204" pitchFamily="18" charset="0"/>
+                                </a:rPr>
+                                <m:t>(</m:t>
+                              </m:r>
+                              <m:r>
+                                <a:rPr lang="es-MX" b="1" i="1" smtClean="0">
+                                  <a:latin typeface="Cambria Math" panose="02040503050406030204" pitchFamily="18" charset="0"/>
+                                </a:rPr>
+                                <m:t>𝒏</m:t>
+                              </m:r>
+                              <m:r>
+                                <a:rPr lang="es-MX" b="1" i="1" smtClean="0">
+                                  <a:latin typeface="Cambria Math" panose="02040503050406030204" pitchFamily="18" charset="0"/>
+                                </a:rPr>
+                                <m:t>−</m:t>
+                              </m:r>
+                              <m:r>
+                                <a:rPr lang="es-MX" b="1" i="1" smtClean="0">
+                                  <a:latin typeface="Cambria Math" panose="02040503050406030204" pitchFamily="18" charset="0"/>
+                                </a:rPr>
+                                <m:t>𝟏</m:t>
+                              </m:r>
+                              <m:r>
+                                <a:rPr lang="es-MX" b="1" i="1" smtClean="0">
+                                  <a:latin typeface="Cambria Math" panose="02040503050406030204" pitchFamily="18" charset="0"/>
+                                </a:rPr>
+                                <m:t>)</m:t>
+                              </m:r>
+                            </m:e>
+                            <m:sup>
+                              <m:r>
+                                <a:rPr lang="es-MX" b="1" i="1" smtClean="0">
+                                  <a:latin typeface="Cambria Math" panose="02040503050406030204" pitchFamily="18" charset="0"/>
+                                </a:rPr>
+                                <m:t>𝟐</m:t>
+                              </m:r>
+                            </m:sup>
+                          </m:sSup>
+                        </m:num>
+                        <m:den>
+                          <m:r>
+                            <a:rPr lang="es-MX" b="1" i="1" smtClean="0">
+                              <a:latin typeface="Cambria Math" panose="02040503050406030204" pitchFamily="18" charset="0"/>
+                            </a:rPr>
+                            <m:t>𝟐</m:t>
+                          </m:r>
+                        </m:den>
+                      </m:f>
+                    </m:oMath>
+                  </m:oMathPara>
+                </a14:m>
+                <a:endParaRPr lang="es-MX" b="1" dirty="0"/>
+              </a:p>
+            </p:txBody>
+          </p:sp>
+        </mc:Choice>
+        <mc:Fallback>
+          <p:sp>
+            <p:nvSpPr>
+              <p:cNvPr id="15" name="Rectángulo 14">
+                <a:extLst>
+                  <a:ext uri="{FF2B5EF4-FFF2-40B4-BE49-F238E27FC236}">
+                    <a16:creationId xmlns:a16="http://schemas.microsoft.com/office/drawing/2014/main" id="{3EE0A47F-054C-4DFB-94AF-2EB1B4D80D64}"/>
+                  </a:ext>
+                </a:extLst>
+              </p:cNvPr>
+              <p:cNvSpPr>
+                <a:spLocks noRot="1" noChangeAspect="1" noMove="1" noResize="1" noEditPoints="1" noAdjustHandles="1" noChangeArrowheads="1" noChangeShapeType="1" noTextEdit="1"/>
+              </p:cNvSpPr>
+              <p:nvPr/>
+            </p:nvSpPr>
+            <p:spPr>
+              <a:xfrm>
+                <a:off x="1020939" y="2074644"/>
+                <a:ext cx="1193468" cy="608803"/>
+              </a:xfrm>
+              <a:prstGeom prst="rect">
+                <a:avLst/>
+              </a:prstGeom>
+              <a:blipFill>
+                <a:blip r:embed="rId3"/>
+                <a:stretch>
+                  <a:fillRect/>
+                </a:stretch>
+              </a:blipFill>
+            </p:spPr>
+            <p:txBody>
+              <a:bodyPr/>
+              <a:lstStyle/>
+              <a:p>
+                <a:r>
+                  <a:rPr lang="es-MX">
+                    <a:noFill/>
+                  </a:rPr>
+                  <a:t> </a:t>
+                </a:r>
+              </a:p>
+            </p:txBody>
+          </p:sp>
+        </mc:Fallback>
+      </mc:AlternateContent>
+      <p:sp>
+        <p:nvSpPr>
+          <p:cNvPr id="16" name="Abrir llave 15">
+            <a:extLst>
+              <a:ext uri="{FF2B5EF4-FFF2-40B4-BE49-F238E27FC236}">
+                <a16:creationId xmlns:a16="http://schemas.microsoft.com/office/drawing/2014/main" id="{9D641A6B-044D-4AFE-816B-8C2BE0D4598E}"/>
+              </a:ext>
+            </a:extLst>
+          </p:cNvPr>
+          <p:cNvSpPr/>
+          <p:nvPr/>
+        </p:nvSpPr>
+        <p:spPr>
+          <a:xfrm flipH="1">
+            <a:off x="7226585" y="1839977"/>
+            <a:ext cx="342895" cy="2297340"/>
+          </a:xfrm>
+          <a:prstGeom prst="leftBrace">
+            <a:avLst>
+              <a:gd name="adj1" fmla="val 8333"/>
+              <a:gd name="adj2" fmla="val 50000"/>
+            </a:avLst>
+          </a:prstGeom>
+          <a:solidFill>
+            <a:schemeClr val="bg1"/>
+          </a:solidFill>
+          <a:ln w="38100">
+            <a:solidFill>
+              <a:schemeClr val="tx1"/>
+            </a:solidFill>
+          </a:ln>
+        </p:spPr>
+        <p:style>
+          <a:lnRef idx="1">
+            <a:schemeClr val="accent1"/>
+          </a:lnRef>
+          <a:fillRef idx="0">
+            <a:schemeClr val="accent1"/>
+          </a:fillRef>
+          <a:effectRef idx="0">
+            <a:schemeClr val="accent1"/>
+          </a:effectRef>
+          <a:fontRef idx="minor">
+            <a:schemeClr val="tx1"/>
+          </a:fontRef>
+        </p:style>
+        <p:txBody>
+          <a:bodyPr rtlCol="0" anchor="ctr"/>
+          <a:lstStyle/>
+          <a:p>
+            <a:pPr algn="ctr"/>
+            <a:endParaRPr lang="es-MX"/>
+          </a:p>
+        </p:txBody>
+      </p:sp>
+      <p:sp>
+        <p:nvSpPr>
+          <p:cNvPr id="17" name="Elipse 16">
+            <a:extLst>
+              <a:ext uri="{FF2B5EF4-FFF2-40B4-BE49-F238E27FC236}">
+                <a16:creationId xmlns:a16="http://schemas.microsoft.com/office/drawing/2014/main" id="{B0CDA34B-0F95-4A42-A94C-0A2D80134F62}"/>
+              </a:ext>
+            </a:extLst>
+          </p:cNvPr>
+          <p:cNvSpPr/>
+          <p:nvPr/>
+        </p:nvSpPr>
+        <p:spPr>
+          <a:xfrm>
+            <a:off x="6314044" y="2729884"/>
+            <a:ext cx="282389" cy="284630"/>
+          </a:xfrm>
+          <a:prstGeom prst="ellipse">
+            <a:avLst/>
+          </a:prstGeom>
+        </p:spPr>
+        <p:style>
+          <a:lnRef idx="3">
+            <a:schemeClr val="lt1"/>
+          </a:lnRef>
+          <a:fillRef idx="1">
+            <a:schemeClr val="accent6"/>
+          </a:fillRef>
+          <a:effectRef idx="1">
+            <a:schemeClr val="accent6"/>
+          </a:effectRef>
+          <a:fontRef idx="minor">
+            <a:schemeClr val="lt1"/>
+          </a:fontRef>
+        </p:style>
+        <p:txBody>
+          <a:bodyPr rtlCol="0" anchor="ctr"/>
+          <a:lstStyle/>
+          <a:p>
+            <a:pPr algn="ctr"/>
+            <a:r>
+              <a:rPr lang="es-MX" b="1" dirty="0"/>
+              <a:t>1</a:t>
+            </a:r>
+          </a:p>
+        </p:txBody>
+      </p:sp>
+      <p:cxnSp>
+        <p:nvCxnSpPr>
+          <p:cNvPr id="18" name="Conector recto 17">
+            <a:extLst>
+              <a:ext uri="{FF2B5EF4-FFF2-40B4-BE49-F238E27FC236}">
+                <a16:creationId xmlns:a16="http://schemas.microsoft.com/office/drawing/2014/main" id="{3D6D6172-3686-4764-A87E-D35BDE262CD5}"/>
+              </a:ext>
+            </a:extLst>
+          </p:cNvPr>
+          <p:cNvCxnSpPr>
+            <a:cxnSpLocks/>
+          </p:cNvCxnSpPr>
+          <p:nvPr/>
+        </p:nvCxnSpPr>
+        <p:spPr>
+          <a:xfrm>
+            <a:off x="2794823" y="2918115"/>
+            <a:ext cx="971958" cy="0"/>
+          </a:xfrm>
+          <a:prstGeom prst="line">
+            <a:avLst/>
+          </a:prstGeom>
+          <a:ln w="38100">
+            <a:solidFill>
+              <a:schemeClr val="tx1"/>
+            </a:solidFill>
+            <a:prstDash val="sysDot"/>
+          </a:ln>
+        </p:spPr>
+        <p:style>
+          <a:lnRef idx="1">
+            <a:schemeClr val="accent1"/>
+          </a:lnRef>
+          <a:fillRef idx="0">
+            <a:schemeClr val="accent1"/>
+          </a:fillRef>
+          <a:effectRef idx="0">
+            <a:schemeClr val="accent1"/>
+          </a:effectRef>
+          <a:fontRef idx="minor">
+            <a:schemeClr val="tx1"/>
+          </a:fontRef>
+        </p:style>
+      </p:cxnSp>
+      <p:sp>
+        <p:nvSpPr>
+          <p:cNvPr id="20" name="Elipse 19">
+            <a:extLst>
+              <a:ext uri="{FF2B5EF4-FFF2-40B4-BE49-F238E27FC236}">
+                <a16:creationId xmlns:a16="http://schemas.microsoft.com/office/drawing/2014/main" id="{8F13110B-B0C5-46EC-9FFD-0C73C1CAA86C}"/>
+              </a:ext>
+            </a:extLst>
+          </p:cNvPr>
+          <p:cNvSpPr/>
+          <p:nvPr/>
+        </p:nvSpPr>
+        <p:spPr>
+          <a:xfrm>
+            <a:off x="5954805" y="3189405"/>
+            <a:ext cx="282389" cy="284630"/>
+          </a:xfrm>
+          <a:prstGeom prst="ellipse">
+            <a:avLst/>
+          </a:prstGeom>
+        </p:spPr>
+        <p:style>
+          <a:lnRef idx="3">
+            <a:schemeClr val="lt1"/>
+          </a:lnRef>
+          <a:fillRef idx="1">
+            <a:schemeClr val="accent6"/>
+          </a:fillRef>
+          <a:effectRef idx="1">
+            <a:schemeClr val="accent6"/>
+          </a:effectRef>
+          <a:fontRef idx="minor">
+            <a:schemeClr val="lt1"/>
+          </a:fontRef>
+        </p:style>
+        <p:txBody>
+          <a:bodyPr rtlCol="0" anchor="ctr"/>
+          <a:lstStyle/>
+          <a:p>
+            <a:pPr algn="ctr"/>
+            <a:r>
+              <a:rPr lang="es-MX" b="1" dirty="0"/>
+              <a:t>1</a:t>
+            </a:r>
+          </a:p>
+        </p:txBody>
+      </p:sp>
+      <p:sp>
+        <p:nvSpPr>
+          <p:cNvPr id="22" name="Elipse 21">
+            <a:extLst>
+              <a:ext uri="{FF2B5EF4-FFF2-40B4-BE49-F238E27FC236}">
+                <a16:creationId xmlns:a16="http://schemas.microsoft.com/office/drawing/2014/main" id="{C24363ED-CF50-4F82-BDDD-1B2C190B429F}"/>
+              </a:ext>
+            </a:extLst>
+          </p:cNvPr>
+          <p:cNvSpPr/>
+          <p:nvPr/>
+        </p:nvSpPr>
+        <p:spPr>
+          <a:xfrm>
+            <a:off x="6314044" y="3528861"/>
+            <a:ext cx="282389" cy="284630"/>
+          </a:xfrm>
+          <a:prstGeom prst="ellipse">
+            <a:avLst/>
+          </a:prstGeom>
+        </p:spPr>
+        <p:style>
+          <a:lnRef idx="3">
+            <a:schemeClr val="lt1"/>
+          </a:lnRef>
+          <a:fillRef idx="1">
+            <a:schemeClr val="accent6"/>
+          </a:fillRef>
+          <a:effectRef idx="1">
+            <a:schemeClr val="accent6"/>
+          </a:effectRef>
+          <a:fontRef idx="minor">
+            <a:schemeClr val="lt1"/>
+          </a:fontRef>
+        </p:style>
+        <p:txBody>
+          <a:bodyPr rtlCol="0" anchor="ctr"/>
+          <a:lstStyle/>
+          <a:p>
+            <a:pPr algn="ctr"/>
+            <a:r>
+              <a:rPr lang="es-MX" b="1" dirty="0"/>
+              <a:t>1</a:t>
+            </a:r>
+          </a:p>
+        </p:txBody>
+      </p:sp>
+      <p:sp>
+        <p:nvSpPr>
+          <p:cNvPr id="23" name="Elipse 22">
+            <a:extLst>
+              <a:ext uri="{FF2B5EF4-FFF2-40B4-BE49-F238E27FC236}">
+                <a16:creationId xmlns:a16="http://schemas.microsoft.com/office/drawing/2014/main" id="{88F593C2-BC7B-4A86-9F33-DF648C80DDF7}"/>
+              </a:ext>
+            </a:extLst>
+          </p:cNvPr>
+          <p:cNvSpPr/>
+          <p:nvPr/>
+        </p:nvSpPr>
+        <p:spPr>
+          <a:xfrm>
+            <a:off x="6237194" y="3852687"/>
+            <a:ext cx="282389" cy="284630"/>
+          </a:xfrm>
+          <a:prstGeom prst="ellipse">
+            <a:avLst/>
+          </a:prstGeom>
+        </p:spPr>
+        <p:style>
+          <a:lnRef idx="3">
+            <a:schemeClr val="lt1"/>
+          </a:lnRef>
+          <a:fillRef idx="1">
+            <a:schemeClr val="accent6"/>
+          </a:fillRef>
+          <a:effectRef idx="1">
+            <a:schemeClr val="accent6"/>
+          </a:effectRef>
+          <a:fontRef idx="minor">
+            <a:schemeClr val="lt1"/>
+          </a:fontRef>
+        </p:style>
+        <p:txBody>
+          <a:bodyPr rtlCol="0" anchor="ctr"/>
+          <a:lstStyle/>
+          <a:p>
+            <a:pPr algn="ctr"/>
+            <a:r>
+              <a:rPr lang="es-MX" b="1" dirty="0"/>
+              <a:t>1</a:t>
+            </a:r>
+          </a:p>
+        </p:txBody>
+      </p:sp>
+      <mc:AlternateContent xmlns:mc="http://schemas.openxmlformats.org/markup-compatibility/2006">
+        <mc:Choice xmlns:a14="http://schemas.microsoft.com/office/drawing/2010/main" Requires="a14">
+          <p:sp>
+            <p:nvSpPr>
+              <p:cNvPr id="25" name="Rectángulo 24">
+                <a:extLst>
+                  <a:ext uri="{FF2B5EF4-FFF2-40B4-BE49-F238E27FC236}">
+                    <a16:creationId xmlns:a16="http://schemas.microsoft.com/office/drawing/2014/main" id="{D85EBA2B-3DE2-4570-AE84-6B7C3E521EBF}"/>
+                  </a:ext>
+                </a:extLst>
+              </p:cNvPr>
+              <p:cNvSpPr/>
+              <p:nvPr/>
+            </p:nvSpPr>
+            <p:spPr>
+              <a:xfrm>
+                <a:off x="7569480" y="2683447"/>
+                <a:ext cx="1331176" cy="608803"/>
+              </a:xfrm>
+              <a:prstGeom prst="rect">
+                <a:avLst/>
+              </a:prstGeom>
+              <a:solidFill>
+                <a:srgbClr val="FF66FF"/>
+              </a:solidFill>
+              <a:ln>
+                <a:solidFill>
+                  <a:srgbClr val="FF66FF"/>
+                </a:solidFill>
+              </a:ln>
+            </p:spPr>
+            <p:style>
+              <a:lnRef idx="2">
+                <a:schemeClr val="accent2">
+                  <a:shade val="50000"/>
+                </a:schemeClr>
+              </a:lnRef>
+              <a:fillRef idx="1">
+                <a:schemeClr val="accent2"/>
+              </a:fillRef>
+              <a:effectRef idx="0">
+                <a:schemeClr val="accent2"/>
+              </a:effectRef>
+              <a:fontRef idx="minor">
+                <a:schemeClr val="lt1"/>
+              </a:fontRef>
+            </p:style>
+            <p:txBody>
+              <a:bodyPr rtlCol="0" anchor="ctr"/>
+              <a:lstStyle/>
+              <a:p>
+                <a:pPr algn="ctr"/>
+                <a14:m>
+                  <m:oMathPara xmlns:m="http://schemas.openxmlformats.org/officeDocument/2006/math">
+                    <m:oMathParaPr>
+                      <m:jc m:val="centerGroup"/>
+                    </m:oMathParaPr>
+                    <m:oMath xmlns:m="http://schemas.openxmlformats.org/officeDocument/2006/math">
+                      <m:sSup>
+                        <m:sSupPr>
+                          <m:ctrlPr>
+                            <a:rPr lang="es-MX" b="1" i="1" smtClean="0">
+                              <a:latin typeface="Cambria Math" panose="02040503050406030204" pitchFamily="18" charset="0"/>
+                            </a:rPr>
+                          </m:ctrlPr>
+                        </m:sSupPr>
+                        <m:e>
+                          <m:r>
+                            <a:rPr lang="es-MX" b="1" i="1" smtClean="0">
+                              <a:latin typeface="Cambria Math" panose="02040503050406030204" pitchFamily="18" charset="0"/>
+                            </a:rPr>
+                            <m:t>𝟐</m:t>
+                          </m:r>
+                          <m:r>
+                            <a:rPr lang="es-MX" b="1" i="1" smtClean="0">
+                              <a:latin typeface="Cambria Math" panose="02040503050406030204" pitchFamily="18" charset="0"/>
+                            </a:rPr>
+                            <m:t>𝒏</m:t>
+                          </m:r>
+                          <m:r>
+                            <a:rPr lang="es-MX" b="1" i="1" smtClean="0">
+                              <a:latin typeface="Cambria Math" panose="02040503050406030204" pitchFamily="18" charset="0"/>
+                            </a:rPr>
+                            <m:t>(</m:t>
+                          </m:r>
+                          <m:r>
+                            <a:rPr lang="es-MX" b="1" i="1" smtClean="0">
+                              <a:latin typeface="Cambria Math" panose="02040503050406030204" pitchFamily="18" charset="0"/>
+                            </a:rPr>
+                            <m:t>𝒏</m:t>
+                          </m:r>
+                          <m:r>
+                            <a:rPr lang="es-MX" b="1" i="1" smtClean="0">
+                              <a:latin typeface="Cambria Math" panose="02040503050406030204" pitchFamily="18" charset="0"/>
+                            </a:rPr>
+                            <m:t>−</m:t>
+                          </m:r>
+                          <m:r>
+                            <a:rPr lang="es-MX" b="1" i="1" smtClean="0">
+                              <a:latin typeface="Cambria Math" panose="02040503050406030204" pitchFamily="18" charset="0"/>
+                            </a:rPr>
+                            <m:t>𝟏</m:t>
+                          </m:r>
+                          <m:r>
+                            <a:rPr lang="es-MX" b="1" i="1" smtClean="0">
+                              <a:latin typeface="Cambria Math" panose="02040503050406030204" pitchFamily="18" charset="0"/>
+                            </a:rPr>
+                            <m:t>)</m:t>
+                          </m:r>
+                        </m:e>
+                        <m:sup>
+                          <m:r>
+                            <a:rPr lang="es-MX" b="1" i="1" smtClean="0">
+                              <a:latin typeface="Cambria Math" panose="02040503050406030204" pitchFamily="18" charset="0"/>
+                            </a:rPr>
+                            <m:t>𝟐</m:t>
+                          </m:r>
+                        </m:sup>
+                      </m:sSup>
+                    </m:oMath>
+                  </m:oMathPara>
+                </a14:m>
+                <a:endParaRPr lang="es-MX" b="1" dirty="0"/>
+              </a:p>
+            </p:txBody>
+          </p:sp>
+        </mc:Choice>
+        <mc:Fallback>
+          <p:sp>
+            <p:nvSpPr>
+              <p:cNvPr id="25" name="Rectángulo 24">
+                <a:extLst>
+                  <a:ext uri="{FF2B5EF4-FFF2-40B4-BE49-F238E27FC236}">
+                    <a16:creationId xmlns:a16="http://schemas.microsoft.com/office/drawing/2014/main" id="{D85EBA2B-3DE2-4570-AE84-6B7C3E521EBF}"/>
+                  </a:ext>
+                </a:extLst>
+              </p:cNvPr>
+              <p:cNvSpPr>
+                <a:spLocks noRot="1" noChangeAspect="1" noMove="1" noResize="1" noEditPoints="1" noAdjustHandles="1" noChangeArrowheads="1" noChangeShapeType="1" noTextEdit="1"/>
+              </p:cNvSpPr>
+              <p:nvPr/>
+            </p:nvSpPr>
+            <p:spPr>
+              <a:xfrm>
+                <a:off x="7569480" y="2683447"/>
+                <a:ext cx="1331176" cy="608803"/>
+              </a:xfrm>
+              <a:prstGeom prst="rect">
+                <a:avLst/>
+              </a:prstGeom>
+              <a:blipFill>
+                <a:blip r:embed="rId4"/>
+                <a:stretch>
+                  <a:fillRect l="-455"/>
+                </a:stretch>
+              </a:blipFill>
+              <a:ln>
+                <a:solidFill>
+                  <a:srgbClr val="FF66FF"/>
+                </a:solidFill>
+              </a:ln>
+            </p:spPr>
+            <p:txBody>
+              <a:bodyPr/>
+              <a:lstStyle/>
+              <a:p>
+                <a:r>
+                  <a:rPr lang="es-MX">
+                    <a:noFill/>
+                  </a:rPr>
+                  <a:t> </a:t>
+                </a:r>
+              </a:p>
+            </p:txBody>
+          </p:sp>
+        </mc:Fallback>
+      </mc:AlternateContent>
+    </p:spTree>
+    <p:extLst>
+      <p:ext uri="{BB962C8B-B14F-4D97-AF65-F5344CB8AC3E}">
+        <p14:creationId xmlns:p14="http://schemas.microsoft.com/office/powerpoint/2010/main" val="48320160"/>
+      </p:ext>
+    </p:extLst>
+  </p:cSld>
+  <p:clrMapOvr>
+    <a:masterClrMapping/>
+  </p:clrMapOvr>
+</p:sld>
+</file>
+
+<file path=ppt/slides/slide14.xml><?xml version="1.0" encoding="utf-8"?>
+<p:sld xmlns:a="http://schemas.openxmlformats.org/drawingml/2006/main" xmlns:r="http://schemas.openxmlformats.org/officeDocument/2006/relationships" xmlns:p="http://schemas.openxmlformats.org/presentationml/2006/main">
+  <p:cSld>
+    <p:spTree>
+      <p:nvGrpSpPr>
+        <p:cNvPr id="1" name=""/>
+        <p:cNvGrpSpPr/>
+        <p:nvPr/>
+      </p:nvGrpSpPr>
+      <p:grpSpPr>
+        <a:xfrm>
+          <a:off x="0" y="0"/>
+          <a:ext cx="0" cy="0"/>
+          <a:chOff x="0" y="0"/>
+          <a:chExt cx="0" cy="0"/>
+        </a:xfrm>
+      </p:grpSpPr>
+      <p:pic>
+        <p:nvPicPr>
+          <p:cNvPr id="2" name="Imagen 1">
+            <a:extLst>
+              <a:ext uri="{FF2B5EF4-FFF2-40B4-BE49-F238E27FC236}">
+                <a16:creationId xmlns:a16="http://schemas.microsoft.com/office/drawing/2014/main" id="{C5ED46B1-B04C-4CCA-8C43-DACC47A67ECF}"/>
+              </a:ext>
+            </a:extLst>
+          </p:cNvPr>
+          <p:cNvPicPr>
+            <a:picLocks noChangeAspect="1"/>
+          </p:cNvPicPr>
+          <p:nvPr/>
+        </p:nvPicPr>
+        <p:blipFill>
+          <a:blip r:embed="rId2"/>
+          <a:stretch>
+            <a:fillRect/>
+          </a:stretch>
+        </p:blipFill>
+        <p:spPr>
+          <a:xfrm>
+            <a:off x="3381375" y="990600"/>
+            <a:ext cx="5429250" cy="4876800"/>
+          </a:xfrm>
+          <a:prstGeom prst="rect">
+            <a:avLst/>
+          </a:prstGeom>
+        </p:spPr>
+      </p:pic>
+    </p:spTree>
+    <p:extLst>
+      <p:ext uri="{BB962C8B-B14F-4D97-AF65-F5344CB8AC3E}">
+        <p14:creationId xmlns:p14="http://schemas.microsoft.com/office/powerpoint/2010/main" val="3344400695"/>
+      </p:ext>
+    </p:extLst>
+  </p:cSld>
+  <p:clrMapOvr>
+    <a:masterClrMapping/>
+  </p:clrMapOvr>
+</p:sld>
+</file>
+
+<file path=ppt/slides/slide15.xml><?xml version="1.0" encoding="utf-8"?>
+<p:sld xmlns:a="http://schemas.openxmlformats.org/drawingml/2006/main" xmlns:r="http://schemas.openxmlformats.org/officeDocument/2006/relationships" xmlns:p="http://schemas.openxmlformats.org/presentationml/2006/main">
+  <p:cSld>
+    <p:spTree>
+      <p:nvGrpSpPr>
+        <p:cNvPr id="1" name=""/>
+        <p:cNvGrpSpPr/>
+        <p:nvPr/>
+      </p:nvGrpSpPr>
+      <p:grpSpPr>
+        <a:xfrm>
+          <a:off x="0" y="0"/>
+          <a:ext cx="0" cy="0"/>
+          <a:chOff x="0" y="0"/>
+          <a:chExt cx="0" cy="0"/>
+        </a:xfrm>
+      </p:grpSpPr>
+      <p:pic>
+        <p:nvPicPr>
+          <p:cNvPr id="2" name="Imagen 1">
+            <a:extLst>
+              <a:ext uri="{FF2B5EF4-FFF2-40B4-BE49-F238E27FC236}">
+                <a16:creationId xmlns:a16="http://schemas.microsoft.com/office/drawing/2014/main" id="{418CB29E-8EFD-4617-8272-E1682B1B42AE}"/>
+              </a:ext>
+            </a:extLst>
+          </p:cNvPr>
+          <p:cNvPicPr>
+            <a:picLocks noChangeAspect="1"/>
+          </p:cNvPicPr>
+          <p:nvPr/>
+        </p:nvPicPr>
+        <p:blipFill>
+          <a:blip r:embed="rId2"/>
+          <a:stretch>
+            <a:fillRect/>
+          </a:stretch>
+        </p:blipFill>
+        <p:spPr>
+          <a:xfrm>
+            <a:off x="3324225" y="1362075"/>
+            <a:ext cx="5543550" cy="4133850"/>
+          </a:xfrm>
+          <a:prstGeom prst="rect">
+            <a:avLst/>
+          </a:prstGeom>
+        </p:spPr>
+      </p:pic>
+    </p:spTree>
+    <p:extLst>
+      <p:ext uri="{BB962C8B-B14F-4D97-AF65-F5344CB8AC3E}">
+        <p14:creationId xmlns:p14="http://schemas.microsoft.com/office/powerpoint/2010/main" val="263864388"/>
+      </p:ext>
+    </p:extLst>
+  </p:cSld>
+  <p:clrMapOvr>
+    <a:masterClrMapping/>
+  </p:clrMapOvr>
+</p:sld>
+</file>
+
+<file path=ppt/slides/slide2.xml><?xml version="1.0" encoding="utf-8"?>
+<p:sld xmlns:a="http://schemas.openxmlformats.org/drawingml/2006/main" xmlns:r="http://schemas.openxmlformats.org/officeDocument/2006/relationships" xmlns:p="http://schemas.openxmlformats.org/presentationml/2006/main">
+  <p:cSld>
+    <p:spTree>
+      <p:nvGrpSpPr>
+        <p:cNvPr id="1" name=""/>
+        <p:cNvGrpSpPr/>
+        <p:nvPr/>
+      </p:nvGrpSpPr>
+      <p:grpSpPr>
+        <a:xfrm>
+          <a:off x="0" y="0"/>
+          <a:ext cx="0" cy="0"/>
+          <a:chOff x="0" y="0"/>
+          <a:chExt cx="0" cy="0"/>
+        </a:xfrm>
+      </p:grpSpPr>
+      <p:pic>
+        <p:nvPicPr>
+          <p:cNvPr id="2" name="Imagen 1">
+            <a:extLst>
+              <a:ext uri="{FF2B5EF4-FFF2-40B4-BE49-F238E27FC236}">
+                <a16:creationId xmlns:a16="http://schemas.microsoft.com/office/drawing/2014/main" id="{F1EAFB9E-5355-4948-9D29-6247B1565AE9}"/>
+              </a:ext>
+            </a:extLst>
+          </p:cNvPr>
+          <p:cNvPicPr>
+            <a:picLocks noChangeAspect="1"/>
+          </p:cNvPicPr>
+          <p:nvPr/>
+        </p:nvPicPr>
+        <p:blipFill>
+          <a:blip r:embed="rId2"/>
+          <a:stretch>
+            <a:fillRect/>
+          </a:stretch>
+        </p:blipFill>
+        <p:spPr>
+          <a:xfrm>
+            <a:off x="3243262" y="2771775"/>
+            <a:ext cx="5705475" cy="1314450"/>
+          </a:xfrm>
+          <a:prstGeom prst="rect">
+            <a:avLst/>
+          </a:prstGeom>
+        </p:spPr>
+      </p:pic>
+    </p:spTree>
+    <p:extLst>
+      <p:ext uri="{BB962C8B-B14F-4D97-AF65-F5344CB8AC3E}">
+        <p14:creationId xmlns:p14="http://schemas.microsoft.com/office/powerpoint/2010/main" val="904843354"/>
+      </p:ext>
+    </p:extLst>
+  </p:cSld>
+  <p:clrMapOvr>
+    <a:masterClrMapping/>
+  </p:clrMapOvr>
+</p:sld>
+</file>
+
+<file path=ppt/slides/slide3.xml><?xml version="1.0" encoding="utf-8"?>
+<p:sld xmlns:a="http://schemas.openxmlformats.org/drawingml/2006/main" xmlns:r="http://schemas.openxmlformats.org/officeDocument/2006/relationships" xmlns:p="http://schemas.openxmlformats.org/presentationml/2006/main">
+  <p:cSld>
+    <p:spTree>
+      <p:nvGrpSpPr>
+        <p:cNvPr id="1" name=""/>
+        <p:cNvGrpSpPr/>
+        <p:nvPr/>
+      </p:nvGrpSpPr>
+      <p:grpSpPr>
+        <a:xfrm>
+          <a:off x="0" y="0"/>
+          <a:ext cx="0" cy="0"/>
+          <a:chOff x="0" y="0"/>
+          <a:chExt cx="0" cy="0"/>
+        </a:xfrm>
+      </p:grpSpPr>
+      <p:pic>
+        <p:nvPicPr>
+          <p:cNvPr id="2" name="Imagen 1">
+            <a:extLst>
+              <a:ext uri="{FF2B5EF4-FFF2-40B4-BE49-F238E27FC236}">
+                <a16:creationId xmlns:a16="http://schemas.microsoft.com/office/drawing/2014/main" id="{CE7E3576-8741-424B-9A4A-3F7BBB475065}"/>
+              </a:ext>
+            </a:extLst>
+          </p:cNvPr>
+          <p:cNvPicPr>
+            <a:picLocks noChangeAspect="1"/>
+          </p:cNvPicPr>
+          <p:nvPr/>
+        </p:nvPicPr>
+        <p:blipFill>
+          <a:blip r:embed="rId2"/>
+          <a:stretch>
+            <a:fillRect/>
+          </a:stretch>
+        </p:blipFill>
+        <p:spPr>
+          <a:xfrm>
+            <a:off x="2795587" y="2676525"/>
+            <a:ext cx="6600825" cy="1504950"/>
+          </a:xfrm>
+          <a:prstGeom prst="rect">
+            <a:avLst/>
+          </a:prstGeom>
+        </p:spPr>
+      </p:pic>
+    </p:spTree>
+    <p:extLst>
+      <p:ext uri="{BB962C8B-B14F-4D97-AF65-F5344CB8AC3E}">
+        <p14:creationId xmlns:p14="http://schemas.microsoft.com/office/powerpoint/2010/main" val="452437974"/>
+      </p:ext>
+    </p:extLst>
+  </p:cSld>
+  <p:clrMapOvr>
+    <a:masterClrMapping/>
+  </p:clrMapOvr>
+</p:sld>
+</file>
+
+<file path=ppt/slides/slide4.xml><?xml version="1.0" encoding="utf-8"?>
+<p:sld xmlns:a="http://schemas.openxmlformats.org/drawingml/2006/main" xmlns:r="http://schemas.openxmlformats.org/officeDocument/2006/relationships" xmlns:p="http://schemas.openxmlformats.org/presentationml/2006/main">
+  <p:cSld>
+    <p:spTree>
+      <p:nvGrpSpPr>
+        <p:cNvPr id="1" name=""/>
+        <p:cNvGrpSpPr/>
+        <p:nvPr/>
+      </p:nvGrpSpPr>
+      <p:grpSpPr>
+        <a:xfrm>
+          <a:off x="0" y="0"/>
+          <a:ext cx="0" cy="0"/>
+          <a:chOff x="0" y="0"/>
+          <a:chExt cx="0" cy="0"/>
+        </a:xfrm>
+      </p:grpSpPr>
+      <p:pic>
+        <p:nvPicPr>
+          <p:cNvPr id="2" name="Imagen 1">
+            <a:extLst>
+              <a:ext uri="{FF2B5EF4-FFF2-40B4-BE49-F238E27FC236}">
+                <a16:creationId xmlns:a16="http://schemas.microsoft.com/office/drawing/2014/main" id="{346A2214-EA82-4EB3-875F-DB60F7E63EA8}"/>
+              </a:ext>
+            </a:extLst>
+          </p:cNvPr>
+          <p:cNvPicPr>
+            <a:picLocks noChangeAspect="1"/>
+          </p:cNvPicPr>
+          <p:nvPr/>
+        </p:nvPicPr>
+        <p:blipFill>
+          <a:blip r:embed="rId2"/>
+          <a:stretch>
+            <a:fillRect/>
+          </a:stretch>
+        </p:blipFill>
+        <p:spPr>
+          <a:xfrm>
+            <a:off x="3867150" y="2276475"/>
+            <a:ext cx="4457700" cy="2305050"/>
+          </a:xfrm>
+          <a:prstGeom prst="rect">
+            <a:avLst/>
+          </a:prstGeom>
+        </p:spPr>
+      </p:pic>
+    </p:spTree>
+    <p:extLst>
+      <p:ext uri="{BB962C8B-B14F-4D97-AF65-F5344CB8AC3E}">
+        <p14:creationId xmlns:p14="http://schemas.microsoft.com/office/powerpoint/2010/main" val="3202535038"/>
+      </p:ext>
+    </p:extLst>
+  </p:cSld>
+  <p:clrMapOvr>
+    <a:masterClrMapping/>
+  </p:clrMapOvr>
+</p:sld>
+</file>
+
+<file path=ppt/slides/slide5.xml><?xml version="1.0" encoding="utf-8"?>
+<p:sld xmlns:a="http://schemas.openxmlformats.org/drawingml/2006/main" xmlns:r="http://schemas.openxmlformats.org/officeDocument/2006/relationships" xmlns:p="http://schemas.openxmlformats.org/presentationml/2006/main">
+  <p:cSld>
+    <p:spTree>
+      <p:nvGrpSpPr>
+        <p:cNvPr id="1" name=""/>
+        <p:cNvGrpSpPr/>
+        <p:nvPr/>
+      </p:nvGrpSpPr>
+      <p:grpSpPr>
+        <a:xfrm>
+          <a:off x="0" y="0"/>
+          <a:ext cx="0" cy="0"/>
+          <a:chOff x="0" y="0"/>
+          <a:chExt cx="0" cy="0"/>
+        </a:xfrm>
+      </p:grpSpPr>
+      <p:pic>
+        <p:nvPicPr>
+          <p:cNvPr id="2" name="Imagen 1">
+            <a:extLst>
+              <a:ext uri="{FF2B5EF4-FFF2-40B4-BE49-F238E27FC236}">
+                <a16:creationId xmlns:a16="http://schemas.microsoft.com/office/drawing/2014/main" id="{8F16AF98-16E1-4F09-BB37-45716057DA00}"/>
+              </a:ext>
+            </a:extLst>
+          </p:cNvPr>
+          <p:cNvPicPr>
+            <a:picLocks noChangeAspect="1"/>
+          </p:cNvPicPr>
+          <p:nvPr/>
+        </p:nvPicPr>
+        <p:blipFill>
+          <a:blip r:embed="rId2"/>
+          <a:stretch>
+            <a:fillRect/>
+          </a:stretch>
+        </p:blipFill>
+        <p:spPr>
+          <a:xfrm>
+            <a:off x="3190875" y="2747962"/>
+            <a:ext cx="5810250" cy="1362075"/>
+          </a:xfrm>
+          <a:prstGeom prst="rect">
+            <a:avLst/>
+          </a:prstGeom>
+        </p:spPr>
+      </p:pic>
+    </p:spTree>
+    <p:extLst>
+      <p:ext uri="{BB962C8B-B14F-4D97-AF65-F5344CB8AC3E}">
+        <p14:creationId xmlns:p14="http://schemas.microsoft.com/office/powerpoint/2010/main" val="3081719162"/>
+      </p:ext>
+    </p:extLst>
+  </p:cSld>
+  <p:clrMapOvr>
+    <a:masterClrMapping/>
+  </p:clrMapOvr>
+</p:sld>
+</file>
+
+<file path=ppt/slides/slide6.xml><?xml version="1.0" encoding="utf-8"?>
+<p:sld xmlns:a="http://schemas.openxmlformats.org/drawingml/2006/main" xmlns:r="http://schemas.openxmlformats.org/officeDocument/2006/relationships" xmlns:p="http://schemas.openxmlformats.org/presentationml/2006/main">
+  <p:cSld>
+    <p:spTree>
+      <p:nvGrpSpPr>
+        <p:cNvPr id="1" name=""/>
+        <p:cNvGrpSpPr/>
+        <p:nvPr/>
+      </p:nvGrpSpPr>
+      <p:grpSpPr>
+        <a:xfrm>
+          <a:off x="0" y="0"/>
+          <a:ext cx="0" cy="0"/>
+          <a:chOff x="0" y="0"/>
+          <a:chExt cx="0" cy="0"/>
+        </a:xfrm>
+      </p:grpSpPr>
+      <p:pic>
+        <p:nvPicPr>
+          <p:cNvPr id="2" name="Imagen 1">
+            <a:extLst>
+              <a:ext uri="{FF2B5EF4-FFF2-40B4-BE49-F238E27FC236}">
+                <a16:creationId xmlns:a16="http://schemas.microsoft.com/office/drawing/2014/main" id="{FAD8FE98-3282-4DFC-B927-E1756E63B0B1}"/>
+              </a:ext>
+            </a:extLst>
+          </p:cNvPr>
+          <p:cNvPicPr>
+            <a:picLocks noChangeAspect="1"/>
+          </p:cNvPicPr>
+          <p:nvPr/>
+        </p:nvPicPr>
+        <p:blipFill>
+          <a:blip r:embed="rId2"/>
+          <a:stretch>
+            <a:fillRect/>
+          </a:stretch>
+        </p:blipFill>
+        <p:spPr>
+          <a:xfrm>
+            <a:off x="3662362" y="3028950"/>
+            <a:ext cx="4867275" cy="800100"/>
+          </a:xfrm>
+          <a:prstGeom prst="rect">
+            <a:avLst/>
+          </a:prstGeom>
+        </p:spPr>
+      </p:pic>
+    </p:spTree>
+    <p:extLst>
+      <p:ext uri="{BB962C8B-B14F-4D97-AF65-F5344CB8AC3E}">
+        <p14:creationId xmlns:p14="http://schemas.microsoft.com/office/powerpoint/2010/main" val="2603246673"/>
+      </p:ext>
+    </p:extLst>
+  </p:cSld>
+  <p:clrMapOvr>
+    <a:masterClrMapping/>
+  </p:clrMapOvr>
+</p:sld>
+</file>
+
+<file path=ppt/slides/slide7.xml><?xml version="1.0" encoding="utf-8"?>
+<p:sld xmlns:a="http://schemas.openxmlformats.org/drawingml/2006/main" xmlns:r="http://schemas.openxmlformats.org/officeDocument/2006/relationships" xmlns:p="http://schemas.openxmlformats.org/presentationml/2006/main">
+  <p:cSld>
+    <p:spTree>
+      <p:nvGrpSpPr>
+        <p:cNvPr id="1" name=""/>
+        <p:cNvGrpSpPr/>
+        <p:nvPr/>
+      </p:nvGrpSpPr>
+      <p:grpSpPr>
+        <a:xfrm>
+          <a:off x="0" y="0"/>
+          <a:ext cx="0" cy="0"/>
+          <a:chOff x="0" y="0"/>
+          <a:chExt cx="0" cy="0"/>
+        </a:xfrm>
+      </p:grpSpPr>
+      <p:pic>
+        <p:nvPicPr>
+          <p:cNvPr id="2" name="Imagen 1">
+            <a:extLst>
+              <a:ext uri="{FF2B5EF4-FFF2-40B4-BE49-F238E27FC236}">
+                <a16:creationId xmlns:a16="http://schemas.microsoft.com/office/drawing/2014/main" id="{97A50991-8A5D-4831-9085-ED5B064C6628}"/>
+              </a:ext>
+            </a:extLst>
+          </p:cNvPr>
+          <p:cNvPicPr>
+            <a:picLocks noChangeAspect="1"/>
+          </p:cNvPicPr>
+          <p:nvPr/>
+        </p:nvPicPr>
+        <p:blipFill>
+          <a:blip r:embed="rId2"/>
+          <a:stretch>
+            <a:fillRect/>
+          </a:stretch>
+        </p:blipFill>
+        <p:spPr>
+          <a:xfrm>
+            <a:off x="3062287" y="2143125"/>
+            <a:ext cx="6067425" cy="2571750"/>
+          </a:xfrm>
+          <a:prstGeom prst="rect">
+            <a:avLst/>
+          </a:prstGeom>
+        </p:spPr>
+      </p:pic>
+    </p:spTree>
+    <p:extLst>
+      <p:ext uri="{BB962C8B-B14F-4D97-AF65-F5344CB8AC3E}">
+        <p14:creationId xmlns:p14="http://schemas.microsoft.com/office/powerpoint/2010/main" val="1588326921"/>
+      </p:ext>
+    </p:extLst>
+  </p:cSld>
+  <p:clrMapOvr>
+    <a:masterClrMapping/>
+  </p:clrMapOvr>
+</p:sld>
+</file>
+
+<file path=ppt/slides/slide8.xml><?xml version="1.0" encoding="utf-8"?>
+<p:sld xmlns:a="http://schemas.openxmlformats.org/drawingml/2006/main" xmlns:r="http://schemas.openxmlformats.org/officeDocument/2006/relationships" xmlns:p="http://schemas.openxmlformats.org/presentationml/2006/main">
+  <p:cSld>
+    <p:spTree>
+      <p:nvGrpSpPr>
+        <p:cNvPr id="1" name=""/>
+        <p:cNvGrpSpPr/>
+        <p:nvPr/>
+      </p:nvGrpSpPr>
+      <p:grpSpPr>
+        <a:xfrm>
+          <a:off x="0" y="0"/>
+          <a:ext cx="0" cy="0"/>
+          <a:chOff x="0" y="0"/>
+          <a:chExt cx="0" cy="0"/>
+        </a:xfrm>
+      </p:grpSpPr>
+      <p:pic>
+        <p:nvPicPr>
+          <p:cNvPr id="2" name="Imagen 1">
+            <a:extLst>
+              <a:ext uri="{FF2B5EF4-FFF2-40B4-BE49-F238E27FC236}">
+                <a16:creationId xmlns:a16="http://schemas.microsoft.com/office/drawing/2014/main" id="{8C6C870F-39C3-4D8C-9188-0286259BD903}"/>
+              </a:ext>
+            </a:extLst>
+          </p:cNvPr>
+          <p:cNvPicPr>
+            <a:picLocks noChangeAspect="1"/>
+          </p:cNvPicPr>
+          <p:nvPr/>
+        </p:nvPicPr>
+        <p:blipFill>
+          <a:blip r:embed="rId2"/>
+          <a:stretch>
+            <a:fillRect/>
+          </a:stretch>
+        </p:blipFill>
+        <p:spPr>
+          <a:xfrm>
+            <a:off x="3176587" y="2262187"/>
+            <a:ext cx="5838825" cy="2333625"/>
+          </a:xfrm>
+          <a:prstGeom prst="rect">
+            <a:avLst/>
+          </a:prstGeom>
+        </p:spPr>
+      </p:pic>
+    </p:spTree>
+    <p:extLst>
+      <p:ext uri="{BB962C8B-B14F-4D97-AF65-F5344CB8AC3E}">
+        <p14:creationId xmlns:p14="http://schemas.microsoft.com/office/powerpoint/2010/main" val="281667450"/>
+      </p:ext>
+    </p:extLst>
+  </p:cSld>
+  <p:clrMapOvr>
+    <a:masterClrMapping/>
+  </p:clrMapOvr>
+</p:sld>
+</file>
+
+<file path=ppt/slides/slide9.xml><?xml version="1.0" encoding="utf-8"?>
+<p:sld xmlns:a="http://schemas.openxmlformats.org/drawingml/2006/main" xmlns:r="http://schemas.openxmlformats.org/officeDocument/2006/relationships" xmlns:p="http://schemas.openxmlformats.org/presentationml/2006/main">
+  <p:cSld>
+    <p:spTree>
+      <p:nvGrpSpPr>
+        <p:cNvPr id="1" name=""/>
+        <p:cNvGrpSpPr/>
+        <p:nvPr/>
+      </p:nvGrpSpPr>
+      <p:grpSpPr>
+        <a:xfrm>
+          <a:off x="0" y="0"/>
+          <a:ext cx="0" cy="0"/>
+          <a:chOff x="0" y="0"/>
+          <a:chExt cx="0" cy="0"/>
+        </a:xfrm>
+      </p:grpSpPr>
+      <p:pic>
+        <p:nvPicPr>
+          <p:cNvPr id="4" name="Imagen 3">
+            <a:extLst>
+              <a:ext uri="{FF2B5EF4-FFF2-40B4-BE49-F238E27FC236}">
+                <a16:creationId xmlns:a16="http://schemas.microsoft.com/office/drawing/2014/main" id="{1D0CD5CE-E7EE-4B47-AF7E-441B7E340E85}"/>
+              </a:ext>
+            </a:extLst>
+          </p:cNvPr>
+          <p:cNvPicPr>
+            <a:picLocks noChangeAspect="1"/>
+          </p:cNvPicPr>
+          <p:nvPr/>
+        </p:nvPicPr>
+        <p:blipFill rotWithShape="1">
+          <a:blip r:embed="rId2"/>
+          <a:srcRect l="12085" b="355"/>
+          <a:stretch/>
+        </p:blipFill>
+        <p:spPr>
+          <a:xfrm>
+            <a:off x="2675965" y="653863"/>
+            <a:ext cx="4840136" cy="5182160"/>
+          </a:xfrm>
+          <a:prstGeom prst="rect">
+            <a:avLst/>
+          </a:prstGeom>
+        </p:spPr>
+      </p:pic>
+      <p:sp>
+        <p:nvSpPr>
+          <p:cNvPr id="5" name="Abrir llave 4">
+            <a:extLst>
+              <a:ext uri="{FF2B5EF4-FFF2-40B4-BE49-F238E27FC236}">
+                <a16:creationId xmlns:a16="http://schemas.microsoft.com/office/drawing/2014/main" id="{A850C733-5910-4FDA-B33F-4467AAC9D55F}"/>
+              </a:ext>
+            </a:extLst>
+          </p:cNvPr>
+          <p:cNvSpPr/>
+          <p:nvPr/>
+        </p:nvSpPr>
+        <p:spPr>
+          <a:xfrm>
+            <a:off x="2971800" y="968188"/>
+            <a:ext cx="282388" cy="1546412"/>
+          </a:xfrm>
+          <a:prstGeom prst="leftBrace">
+            <a:avLst/>
+          </a:prstGeom>
+          <a:solidFill>
+            <a:schemeClr val="bg1"/>
+          </a:solidFill>
+          <a:ln w="38100">
+            <a:solidFill>
+              <a:schemeClr val="tx1"/>
+            </a:solidFill>
+          </a:ln>
+        </p:spPr>
+        <p:style>
+          <a:lnRef idx="1">
+            <a:schemeClr val="accent1"/>
+          </a:lnRef>
+          <a:fillRef idx="0">
+            <a:schemeClr val="accent1"/>
+          </a:fillRef>
+          <a:effectRef idx="0">
+            <a:schemeClr val="accent1"/>
+          </a:effectRef>
+          <a:fontRef idx="minor">
+            <a:schemeClr val="tx1"/>
+          </a:fontRef>
+        </p:style>
+        <p:txBody>
+          <a:bodyPr rtlCol="0" anchor="ctr"/>
+          <a:lstStyle/>
+          <a:p>
+            <a:pPr algn="ctr"/>
+            <a:endParaRPr lang="es-MX"/>
+          </a:p>
+        </p:txBody>
+      </p:sp>
+      <p:sp>
+        <p:nvSpPr>
+          <p:cNvPr id="7" name="Elipse 6">
+            <a:extLst>
+              <a:ext uri="{FF2B5EF4-FFF2-40B4-BE49-F238E27FC236}">
+                <a16:creationId xmlns:a16="http://schemas.microsoft.com/office/drawing/2014/main" id="{7839CAAC-F54A-4822-9A66-8A655464A5DC}"/>
+              </a:ext>
+            </a:extLst>
+          </p:cNvPr>
+          <p:cNvSpPr/>
+          <p:nvPr/>
+        </p:nvSpPr>
+        <p:spPr>
+          <a:xfrm>
+            <a:off x="5777753" y="1113865"/>
+            <a:ext cx="282389" cy="284630"/>
+          </a:xfrm>
+          <a:prstGeom prst="ellipse">
+            <a:avLst/>
+          </a:prstGeom>
+        </p:spPr>
+        <p:style>
+          <a:lnRef idx="3">
+            <a:schemeClr val="lt1"/>
+          </a:lnRef>
+          <a:fillRef idx="1">
+            <a:schemeClr val="accent6"/>
+          </a:fillRef>
+          <a:effectRef idx="1">
+            <a:schemeClr val="accent6"/>
+          </a:effectRef>
+          <a:fontRef idx="minor">
+            <a:schemeClr val="lt1"/>
+          </a:fontRef>
+        </p:style>
+        <p:txBody>
+          <a:bodyPr rtlCol="0" anchor="ctr"/>
+          <a:lstStyle/>
+          <a:p>
+            <a:pPr algn="ctr"/>
+            <a:r>
+              <a:rPr lang="es-MX" b="1" dirty="0"/>
+              <a:t>1</a:t>
+            </a:r>
+          </a:p>
+        </p:txBody>
+      </p:sp>
+      <p:sp>
+        <p:nvSpPr>
+          <p:cNvPr id="8" name="Elipse 7">
+            <a:extLst>
+              <a:ext uri="{FF2B5EF4-FFF2-40B4-BE49-F238E27FC236}">
+                <a16:creationId xmlns:a16="http://schemas.microsoft.com/office/drawing/2014/main" id="{79DE6EA1-DDDA-4358-B9AC-149BA30A0EFB}"/>
+              </a:ext>
+            </a:extLst>
+          </p:cNvPr>
+          <p:cNvSpPr/>
+          <p:nvPr/>
+        </p:nvSpPr>
+        <p:spPr>
+          <a:xfrm>
+            <a:off x="5777753" y="1456763"/>
+            <a:ext cx="282389" cy="284630"/>
+          </a:xfrm>
+          <a:prstGeom prst="ellipse">
+            <a:avLst/>
+          </a:prstGeom>
+        </p:spPr>
+        <p:style>
+          <a:lnRef idx="3">
+            <a:schemeClr val="lt1"/>
+          </a:lnRef>
+          <a:fillRef idx="1">
+            <a:schemeClr val="accent6"/>
+          </a:fillRef>
+          <a:effectRef idx="1">
+            <a:schemeClr val="accent6"/>
+          </a:effectRef>
+          <a:fontRef idx="minor">
+            <a:schemeClr val="lt1"/>
+          </a:fontRef>
+        </p:style>
+        <p:txBody>
+          <a:bodyPr rtlCol="0" anchor="ctr"/>
+          <a:lstStyle/>
+          <a:p>
+            <a:pPr algn="ctr"/>
+            <a:r>
+              <a:rPr lang="es-MX" b="1" dirty="0"/>
+              <a:t>1</a:t>
+            </a:r>
+          </a:p>
+        </p:txBody>
+      </p:sp>
+      <p:sp>
+        <p:nvSpPr>
+          <p:cNvPr id="9" name="Elipse 8">
+            <a:extLst>
+              <a:ext uri="{FF2B5EF4-FFF2-40B4-BE49-F238E27FC236}">
+                <a16:creationId xmlns:a16="http://schemas.microsoft.com/office/drawing/2014/main" id="{D72C4FA1-774A-4316-B61D-7CC761567356}"/>
+              </a:ext>
+            </a:extLst>
+          </p:cNvPr>
+          <p:cNvSpPr/>
+          <p:nvPr/>
+        </p:nvSpPr>
+        <p:spPr>
+          <a:xfrm>
+            <a:off x="5777753" y="1913966"/>
+            <a:ext cx="282389" cy="284630"/>
+          </a:xfrm>
+          <a:prstGeom prst="ellipse">
+            <a:avLst/>
+          </a:prstGeom>
+        </p:spPr>
+        <p:style>
+          <a:lnRef idx="3">
+            <a:schemeClr val="lt1"/>
+          </a:lnRef>
+          <a:fillRef idx="1">
+            <a:schemeClr val="accent6"/>
+          </a:fillRef>
+          <a:effectRef idx="1">
+            <a:schemeClr val="accent6"/>
+          </a:effectRef>
+          <a:fontRef idx="minor">
+            <a:schemeClr val="lt1"/>
+          </a:fontRef>
+        </p:style>
+        <p:txBody>
+          <a:bodyPr rtlCol="0" anchor="ctr"/>
+          <a:lstStyle/>
+          <a:p>
+            <a:pPr algn="ctr"/>
+            <a:r>
+              <a:rPr lang="es-MX" b="1" dirty="0"/>
+              <a:t>1</a:t>
+            </a:r>
+          </a:p>
+        </p:txBody>
+      </p:sp>
+      <p:sp>
+        <p:nvSpPr>
+          <p:cNvPr id="10" name="Elipse 9">
+            <a:extLst>
+              <a:ext uri="{FF2B5EF4-FFF2-40B4-BE49-F238E27FC236}">
+                <a16:creationId xmlns:a16="http://schemas.microsoft.com/office/drawing/2014/main" id="{01940B82-0D34-489C-9202-59F53B52CD74}"/>
+              </a:ext>
+            </a:extLst>
+          </p:cNvPr>
+          <p:cNvSpPr/>
+          <p:nvPr/>
+        </p:nvSpPr>
+        <p:spPr>
+          <a:xfrm>
+            <a:off x="5777753" y="2256864"/>
+            <a:ext cx="282389" cy="284630"/>
+          </a:xfrm>
+          <a:prstGeom prst="ellipse">
+            <a:avLst/>
+          </a:prstGeom>
+        </p:spPr>
+        <p:style>
+          <a:lnRef idx="3">
+            <a:schemeClr val="lt1"/>
+          </a:lnRef>
+          <a:fillRef idx="1">
+            <a:schemeClr val="accent6"/>
+          </a:fillRef>
+          <a:effectRef idx="1">
+            <a:schemeClr val="accent6"/>
+          </a:effectRef>
+          <a:fontRef idx="minor">
+            <a:schemeClr val="lt1"/>
+          </a:fontRef>
+        </p:style>
+        <p:txBody>
+          <a:bodyPr rtlCol="0" anchor="ctr"/>
+          <a:lstStyle/>
+          <a:p>
+            <a:pPr algn="ctr"/>
+            <a:r>
+              <a:rPr lang="es-MX" b="1" dirty="0"/>
+              <a:t>1</a:t>
+            </a:r>
+          </a:p>
+        </p:txBody>
+      </p:sp>
+      <p:sp>
+        <p:nvSpPr>
+          <p:cNvPr id="11" name="Abrir llave 10">
+            <a:extLst>
+              <a:ext uri="{FF2B5EF4-FFF2-40B4-BE49-F238E27FC236}">
+                <a16:creationId xmlns:a16="http://schemas.microsoft.com/office/drawing/2014/main" id="{21FEA9C4-EEFF-4775-990C-2B4A60D5554A}"/>
+              </a:ext>
+            </a:extLst>
+          </p:cNvPr>
+          <p:cNvSpPr/>
+          <p:nvPr/>
+        </p:nvSpPr>
+        <p:spPr>
+          <a:xfrm rot="10800000" flipH="1">
+            <a:off x="2245657" y="968183"/>
+            <a:ext cx="389965" cy="3294533"/>
+          </a:xfrm>
+          <a:prstGeom prst="leftBrace">
+            <a:avLst>
+              <a:gd name="adj1" fmla="val 8333"/>
+              <a:gd name="adj2" fmla="val 50000"/>
+            </a:avLst>
+          </a:prstGeom>
+          <a:solidFill>
+            <a:schemeClr val="bg1"/>
+          </a:solidFill>
+          <a:ln w="38100">
+            <a:solidFill>
+              <a:schemeClr val="tx1"/>
+            </a:solidFill>
+          </a:ln>
+        </p:spPr>
+        <p:style>
+          <a:lnRef idx="1">
+            <a:schemeClr val="accent1"/>
+          </a:lnRef>
+          <a:fillRef idx="0">
+            <a:schemeClr val="accent1"/>
+          </a:fillRef>
+          <a:effectRef idx="0">
+            <a:schemeClr val="accent1"/>
+          </a:effectRef>
+          <a:fontRef idx="minor">
+            <a:schemeClr val="tx1"/>
+          </a:fontRef>
+        </p:style>
+        <p:txBody>
+          <a:bodyPr rtlCol="0" anchor="ctr"/>
+          <a:lstStyle/>
+          <a:p>
+            <a:pPr algn="ctr"/>
+            <a:endParaRPr lang="es-MX"/>
+          </a:p>
+        </p:txBody>
+      </p:sp>
+      <p:sp>
+        <p:nvSpPr>
+          <p:cNvPr id="6" name="Elipse 5">
+            <a:extLst>
+              <a:ext uri="{FF2B5EF4-FFF2-40B4-BE49-F238E27FC236}">
+                <a16:creationId xmlns:a16="http://schemas.microsoft.com/office/drawing/2014/main" id="{E2D94D5E-2D1B-4161-8B90-7DE7362AB3E0}"/>
+              </a:ext>
+            </a:extLst>
+          </p:cNvPr>
+          <p:cNvSpPr/>
+          <p:nvPr/>
+        </p:nvSpPr>
+        <p:spPr>
+          <a:xfrm>
+            <a:off x="2534765" y="1564343"/>
+            <a:ext cx="389965" cy="349623"/>
+          </a:xfrm>
+          <a:prstGeom prst="ellipse">
             <a:avLst/>
           </a:prstGeom>
         </p:spPr>
@@ -3759,6 +6867,55 @@
             <a:pPr algn="ctr"/>
             <a:r>
               <a:rPr lang="es-MX" b="1" dirty="0"/>
+              <a:t>3</a:t>
+            </a:r>
+          </a:p>
+        </p:txBody>
+      </p:sp>
+      <p:sp>
+        <p:nvSpPr>
+          <p:cNvPr id="13" name="Rectángulo 12">
+            <a:extLst>
+              <a:ext uri="{FF2B5EF4-FFF2-40B4-BE49-F238E27FC236}">
+                <a16:creationId xmlns:a16="http://schemas.microsoft.com/office/drawing/2014/main" id="{157C61FD-011D-4CFF-99E9-7981CA0466C8}"/>
+              </a:ext>
+            </a:extLst>
+          </p:cNvPr>
+          <p:cNvSpPr/>
+          <p:nvPr/>
+        </p:nvSpPr>
+        <p:spPr>
+          <a:xfrm>
+            <a:off x="1129558" y="2399179"/>
+            <a:ext cx="1129550" cy="443753"/>
+          </a:xfrm>
+          <a:prstGeom prst="rect">
+            <a:avLst/>
+          </a:prstGeom>
+        </p:spPr>
+        <p:style>
+          <a:lnRef idx="2">
+            <a:schemeClr val="accent2">
+              <a:shade val="50000"/>
+            </a:schemeClr>
+          </a:lnRef>
+          <a:fillRef idx="1">
+            <a:schemeClr val="accent2"/>
+          </a:fillRef>
+          <a:effectRef idx="0">
+            <a:schemeClr val="accent2"/>
+          </a:effectRef>
+          <a:fontRef idx="minor">
+            <a:schemeClr val="lt1"/>
+          </a:fontRef>
+        </p:style>
+        <p:txBody>
+          <a:bodyPr rtlCol="0" anchor="ctr"/>
+          <a:lstStyle/>
+          <a:p>
+            <a:pPr algn="ctr"/>
+            <a:r>
+              <a:rPr lang="es-MX" b="1" dirty="0"/>
               <a:t>3 + 3(n-2)</a:t>
             </a:r>
             <a:endParaRPr lang="es-MX" dirty="0"/>
@@ -4100,6 +7257,54 @@
           </a:fontRef>
         </p:style>
       </p:cxnSp>
+      <p:sp>
+        <p:nvSpPr>
+          <p:cNvPr id="20" name="Rectángulo 19">
+            <a:extLst>
+              <a:ext uri="{FF2B5EF4-FFF2-40B4-BE49-F238E27FC236}">
+                <a16:creationId xmlns:a16="http://schemas.microsoft.com/office/drawing/2014/main" id="{DBF296D0-99DE-457C-B78C-EE93CA0EA22D}"/>
+              </a:ext>
+            </a:extLst>
+          </p:cNvPr>
+          <p:cNvSpPr/>
+          <p:nvPr/>
+        </p:nvSpPr>
+        <p:spPr>
+          <a:xfrm>
+            <a:off x="7677260" y="2794186"/>
+            <a:ext cx="1129550" cy="443753"/>
+          </a:xfrm>
+          <a:prstGeom prst="rect">
+            <a:avLst/>
+          </a:prstGeom>
+        </p:spPr>
+        <p:style>
+          <a:lnRef idx="3">
+            <a:schemeClr val="lt1"/>
+          </a:lnRef>
+          <a:fillRef idx="1">
+            <a:schemeClr val="accent5"/>
+          </a:fillRef>
+          <a:effectRef idx="1">
+            <a:schemeClr val="accent5"/>
+          </a:effectRef>
+          <a:fontRef idx="minor">
+            <a:schemeClr val="lt1"/>
+          </a:fontRef>
+        </p:style>
+        <p:txBody>
+          <a:bodyPr rtlCol="0" anchor="ctr"/>
+          <a:lstStyle/>
+          <a:p>
+            <a:pPr algn="ctr"/>
+            <a:r>
+              <a:rPr lang="es-MX" b="1" dirty="0"/>
+              <a:t>3 + 2(n-2)</a:t>
+            </a:r>
+            <a:endParaRPr lang="es-MX" dirty="0"/>
+          </a:p>
+        </p:txBody>
+      </p:sp>
     </p:spTree>
     <p:extLst>
       <p:ext uri="{BB962C8B-B14F-4D97-AF65-F5344CB8AC3E}">

--- a/Abigail/EdiciónImagenes.pptx
+++ b/Abigail/EdiciónImagenes.pptx
@@ -275,7 +275,7 @@
           <a:p>
             <a:fld id="{246AA5FD-5524-4AD4-879F-D4B47144AFA8}" type="datetimeFigureOut">
               <a:rPr lang="es-MX" smtClean="0"/>
-              <a:t>07/09/2018</a:t>
+              <a:t>10/09/2018</a:t>
             </a:fld>
             <a:endParaRPr lang="es-MX"/>
           </a:p>
@@ -475,7 +475,7 @@
           <a:p>
             <a:fld id="{246AA5FD-5524-4AD4-879F-D4B47144AFA8}" type="datetimeFigureOut">
               <a:rPr lang="es-MX" smtClean="0"/>
-              <a:t>07/09/2018</a:t>
+              <a:t>10/09/2018</a:t>
             </a:fld>
             <a:endParaRPr lang="es-MX"/>
           </a:p>
@@ -685,7 +685,7 @@
           <a:p>
             <a:fld id="{246AA5FD-5524-4AD4-879F-D4B47144AFA8}" type="datetimeFigureOut">
               <a:rPr lang="es-MX" smtClean="0"/>
-              <a:t>07/09/2018</a:t>
+              <a:t>10/09/2018</a:t>
             </a:fld>
             <a:endParaRPr lang="es-MX"/>
           </a:p>
@@ -885,7 +885,7 @@
           <a:p>
             <a:fld id="{246AA5FD-5524-4AD4-879F-D4B47144AFA8}" type="datetimeFigureOut">
               <a:rPr lang="es-MX" smtClean="0"/>
-              <a:t>07/09/2018</a:t>
+              <a:t>10/09/2018</a:t>
             </a:fld>
             <a:endParaRPr lang="es-MX"/>
           </a:p>
@@ -1161,7 +1161,7 @@
           <a:p>
             <a:fld id="{246AA5FD-5524-4AD4-879F-D4B47144AFA8}" type="datetimeFigureOut">
               <a:rPr lang="es-MX" smtClean="0"/>
-              <a:t>07/09/2018</a:t>
+              <a:t>10/09/2018</a:t>
             </a:fld>
             <a:endParaRPr lang="es-MX"/>
           </a:p>
@@ -1429,7 +1429,7 @@
           <a:p>
             <a:fld id="{246AA5FD-5524-4AD4-879F-D4B47144AFA8}" type="datetimeFigureOut">
               <a:rPr lang="es-MX" smtClean="0"/>
-              <a:t>07/09/2018</a:t>
+              <a:t>10/09/2018</a:t>
             </a:fld>
             <a:endParaRPr lang="es-MX"/>
           </a:p>
@@ -1844,7 +1844,7 @@
           <a:p>
             <a:fld id="{246AA5FD-5524-4AD4-879F-D4B47144AFA8}" type="datetimeFigureOut">
               <a:rPr lang="es-MX" smtClean="0"/>
-              <a:t>07/09/2018</a:t>
+              <a:t>10/09/2018</a:t>
             </a:fld>
             <a:endParaRPr lang="es-MX"/>
           </a:p>
@@ -1986,7 +1986,7 @@
           <a:p>
             <a:fld id="{246AA5FD-5524-4AD4-879F-D4B47144AFA8}" type="datetimeFigureOut">
               <a:rPr lang="es-MX" smtClean="0"/>
-              <a:t>07/09/2018</a:t>
+              <a:t>10/09/2018</a:t>
             </a:fld>
             <a:endParaRPr lang="es-MX"/>
           </a:p>
@@ -2099,7 +2099,7 @@
           <a:p>
             <a:fld id="{246AA5FD-5524-4AD4-879F-D4B47144AFA8}" type="datetimeFigureOut">
               <a:rPr lang="es-MX" smtClean="0"/>
-              <a:t>07/09/2018</a:t>
+              <a:t>10/09/2018</a:t>
             </a:fld>
             <a:endParaRPr lang="es-MX"/>
           </a:p>
@@ -2412,7 +2412,7 @@
           <a:p>
             <a:fld id="{246AA5FD-5524-4AD4-879F-D4B47144AFA8}" type="datetimeFigureOut">
               <a:rPr lang="es-MX" smtClean="0"/>
-              <a:t>07/09/2018</a:t>
+              <a:t>10/09/2018</a:t>
             </a:fld>
             <a:endParaRPr lang="es-MX"/>
           </a:p>
@@ -2701,7 +2701,7 @@
           <a:p>
             <a:fld id="{246AA5FD-5524-4AD4-879F-D4B47144AFA8}" type="datetimeFigureOut">
               <a:rPr lang="es-MX" smtClean="0"/>
-              <a:t>07/09/2018</a:t>
+              <a:t>10/09/2018</a:t>
             </a:fld>
             <a:endParaRPr lang="es-MX"/>
           </a:p>
@@ -2944,7 +2944,7 @@
           <a:p>
             <a:fld id="{246AA5FD-5524-4AD4-879F-D4B47144AFA8}" type="datetimeFigureOut">
               <a:rPr lang="es-MX" smtClean="0"/>
-              <a:t>07/09/2018</a:t>
+              <a:t>10/09/2018</a:t>
             </a:fld>
             <a:endParaRPr lang="es-MX"/>
           </a:p>
@@ -4430,8 +4430,8 @@
           </a:p>
         </p:txBody>
       </p:sp>
-      <mc:AlternateContent xmlns:mc="http://schemas.openxmlformats.org/markup-compatibility/2006">
-        <mc:Choice xmlns:a14="http://schemas.microsoft.com/office/drawing/2010/main" Requires="a14">
+      <mc:AlternateContent xmlns:mc="http://schemas.openxmlformats.org/markup-compatibility/2006" xmlns:a14="http://schemas.microsoft.com/office/drawing/2010/main">
+        <mc:Choice Requires="a14">
           <p:sp>
             <p:nvSpPr>
               <p:cNvPr id="5" name="Rectángulo 4">
@@ -4574,7 +4574,7 @@
             </p:txBody>
           </p:sp>
         </mc:Choice>
-        <mc:Fallback>
+        <mc:Fallback xmlns="">
           <p:sp>
             <p:nvSpPr>
               <p:cNvPr id="5" name="Rectángulo 4">
@@ -4765,8 +4765,8 @@
           </a:fontRef>
         </p:style>
       </p:cxnSp>
-      <mc:AlternateContent xmlns:mc="http://schemas.openxmlformats.org/markup-compatibility/2006">
-        <mc:Choice xmlns:a14="http://schemas.microsoft.com/office/drawing/2010/main" Requires="a14">
+      <mc:AlternateContent xmlns:mc="http://schemas.openxmlformats.org/markup-compatibility/2006" xmlns:a14="http://schemas.microsoft.com/office/drawing/2010/main">
+        <mc:Choice Requires="a14">
           <p:sp>
             <p:nvSpPr>
               <p:cNvPr id="9" name="Rectángulo 8">
@@ -4894,7 +4894,7 @@
             </p:txBody>
           </p:sp>
         </mc:Choice>
-        <mc:Fallback>
+        <mc:Fallback xmlns="">
           <p:sp>
             <p:nvSpPr>
               <p:cNvPr id="9" name="Rectángulo 8">
@@ -5288,8 +5288,8 @@
           </a:p>
         </p:txBody>
       </p:sp>
-      <mc:AlternateContent xmlns:mc="http://schemas.openxmlformats.org/markup-compatibility/2006">
-        <mc:Choice xmlns:a14="http://schemas.microsoft.com/office/drawing/2010/main" Requires="a14">
+      <mc:AlternateContent xmlns:mc="http://schemas.openxmlformats.org/markup-compatibility/2006" xmlns:a14="http://schemas.microsoft.com/office/drawing/2010/main">
+        <mc:Choice Requires="a14">
           <p:sp>
             <p:nvSpPr>
               <p:cNvPr id="15" name="Rectángulo 14">
@@ -5420,7 +5420,7 @@
             </p:txBody>
           </p:sp>
         </mc:Choice>
-        <mc:Fallback>
+        <mc:Fallback xmlns="">
           <p:sp>
             <p:nvSpPr>
               <p:cNvPr id="15" name="Rectángulo 14">
@@ -5752,8 +5752,8 @@
           </a:p>
         </p:txBody>
       </p:sp>
-      <mc:AlternateContent xmlns:mc="http://schemas.openxmlformats.org/markup-compatibility/2006">
-        <mc:Choice xmlns:a14="http://schemas.microsoft.com/office/drawing/2010/main" Requires="a14">
+      <mc:AlternateContent xmlns:mc="http://schemas.openxmlformats.org/markup-compatibility/2006" xmlns:a14="http://schemas.microsoft.com/office/drawing/2010/main">
+        <mc:Choice Requires="a14">
           <p:sp>
             <p:nvSpPr>
               <p:cNvPr id="25" name="Rectángulo 24">
@@ -5879,7 +5879,7 @@
             </p:txBody>
           </p:sp>
         </mc:Choice>
-        <mc:Fallback>
+        <mc:Fallback xmlns="">
           <p:sp>
             <p:nvSpPr>
               <p:cNvPr id="25" name="Rectángulo 24">
@@ -5973,22 +5973,531 @@
           </p:cNvPicPr>
           <p:nvPr/>
         </p:nvPicPr>
-        <p:blipFill>
+        <p:blipFill rotWithShape="1">
           <a:blip r:embed="rId2"/>
-          <a:stretch>
-            <a:fillRect/>
-          </a:stretch>
+          <a:srcRect l="11467"/>
+          <a:stretch/>
         </p:blipFill>
         <p:spPr>
           <a:xfrm>
-            <a:off x="3381375" y="990600"/>
-            <a:ext cx="5429250" cy="4876800"/>
+            <a:off x="4003964" y="990600"/>
+            <a:ext cx="4806660" cy="4876800"/>
           </a:xfrm>
           <a:prstGeom prst="rect">
             <a:avLst/>
           </a:prstGeom>
         </p:spPr>
       </p:pic>
+      <p:sp>
+        <p:nvSpPr>
+          <p:cNvPr id="3" name="Abrir llave 2">
+            <a:extLst>
+              <a:ext uri="{FF2B5EF4-FFF2-40B4-BE49-F238E27FC236}">
+                <a16:creationId xmlns:a16="http://schemas.microsoft.com/office/drawing/2014/main" id="{1BD7CB0E-36DE-4A00-B138-48872F0F5CB6}"/>
+              </a:ext>
+            </a:extLst>
+          </p:cNvPr>
+          <p:cNvSpPr/>
+          <p:nvPr/>
+        </p:nvSpPr>
+        <p:spPr>
+          <a:xfrm rot="10800000" flipH="1">
+            <a:off x="4041798" y="1535575"/>
+            <a:ext cx="384323" cy="757712"/>
+          </a:xfrm>
+          <a:prstGeom prst="leftBrace">
+            <a:avLst>
+              <a:gd name="adj1" fmla="val 70132"/>
+              <a:gd name="adj2" fmla="val 50000"/>
+            </a:avLst>
+          </a:prstGeom>
+          <a:solidFill>
+            <a:schemeClr val="bg1"/>
+          </a:solidFill>
+          <a:ln w="38100">
+            <a:solidFill>
+              <a:schemeClr val="tx1"/>
+            </a:solidFill>
+          </a:ln>
+        </p:spPr>
+        <p:style>
+          <a:lnRef idx="1">
+            <a:schemeClr val="accent1"/>
+          </a:lnRef>
+          <a:fillRef idx="0">
+            <a:schemeClr val="accent1"/>
+          </a:fillRef>
+          <a:effectRef idx="0">
+            <a:schemeClr val="accent1"/>
+          </a:effectRef>
+          <a:fontRef idx="minor">
+            <a:schemeClr val="tx1"/>
+          </a:fontRef>
+        </p:style>
+        <p:txBody>
+          <a:bodyPr rtlCol="0" anchor="ctr"/>
+          <a:lstStyle/>
+          <a:p>
+            <a:pPr algn="ctr"/>
+            <a:endParaRPr lang="es-MX"/>
+          </a:p>
+        </p:txBody>
+      </p:sp>
+      <p:sp>
+        <p:nvSpPr>
+          <p:cNvPr id="4" name="Rectángulo 3">
+            <a:extLst>
+              <a:ext uri="{FF2B5EF4-FFF2-40B4-BE49-F238E27FC236}">
+                <a16:creationId xmlns:a16="http://schemas.microsoft.com/office/drawing/2014/main" id="{CC64D137-DFD6-498D-B66B-A3C29042FE5A}"/>
+              </a:ext>
+            </a:extLst>
+          </p:cNvPr>
+          <p:cNvSpPr/>
+          <p:nvPr/>
+        </p:nvSpPr>
+        <p:spPr>
+          <a:xfrm>
+            <a:off x="3069840" y="1572192"/>
+            <a:ext cx="694400" cy="589117"/>
+          </a:xfrm>
+          <a:prstGeom prst="rect">
+            <a:avLst/>
+          </a:prstGeom>
+        </p:spPr>
+        <p:style>
+          <a:lnRef idx="2">
+            <a:schemeClr val="accent2">
+              <a:shade val="50000"/>
+            </a:schemeClr>
+          </a:lnRef>
+          <a:fillRef idx="1">
+            <a:schemeClr val="accent2"/>
+          </a:fillRef>
+          <a:effectRef idx="0">
+            <a:schemeClr val="accent2"/>
+          </a:effectRef>
+          <a:fontRef idx="minor">
+            <a:schemeClr val="lt1"/>
+          </a:fontRef>
+        </p:style>
+        <p:txBody>
+          <a:bodyPr rtlCol="0" anchor="ctr"/>
+          <a:lstStyle/>
+          <a:p>
+            <a:pPr algn="ctr"/>
+            <a:r>
+              <a:rPr lang="es-MX" b="1" dirty="0"/>
+              <a:t>3</a:t>
+            </a:r>
+          </a:p>
+        </p:txBody>
+      </p:sp>
+      <p:sp>
+        <p:nvSpPr>
+          <p:cNvPr id="5" name="Abrir llave 4">
+            <a:extLst>
+              <a:ext uri="{FF2B5EF4-FFF2-40B4-BE49-F238E27FC236}">
+                <a16:creationId xmlns:a16="http://schemas.microsoft.com/office/drawing/2014/main" id="{B981249B-651B-4863-BEC3-F446CABE9850}"/>
+              </a:ext>
+            </a:extLst>
+          </p:cNvPr>
+          <p:cNvSpPr/>
+          <p:nvPr/>
+        </p:nvSpPr>
+        <p:spPr>
+          <a:xfrm flipH="1">
+            <a:off x="8620372" y="1769445"/>
+            <a:ext cx="342895" cy="3883210"/>
+          </a:xfrm>
+          <a:prstGeom prst="leftBrace">
+            <a:avLst>
+              <a:gd name="adj1" fmla="val 8333"/>
+              <a:gd name="adj2" fmla="val 50000"/>
+            </a:avLst>
+          </a:prstGeom>
+          <a:solidFill>
+            <a:schemeClr val="bg1"/>
+          </a:solidFill>
+          <a:ln w="38100">
+            <a:solidFill>
+              <a:schemeClr val="tx1"/>
+            </a:solidFill>
+          </a:ln>
+        </p:spPr>
+        <p:style>
+          <a:lnRef idx="1">
+            <a:schemeClr val="accent1"/>
+          </a:lnRef>
+          <a:fillRef idx="0">
+            <a:schemeClr val="accent1"/>
+          </a:fillRef>
+          <a:effectRef idx="0">
+            <a:schemeClr val="accent1"/>
+          </a:effectRef>
+          <a:fontRef idx="minor">
+            <a:schemeClr val="tx1"/>
+          </a:fontRef>
+        </p:style>
+        <p:txBody>
+          <a:bodyPr rtlCol="0" anchor="ctr"/>
+          <a:lstStyle/>
+          <a:p>
+            <a:pPr algn="ctr"/>
+            <a:endParaRPr lang="es-MX"/>
+          </a:p>
+        </p:txBody>
+      </p:sp>
+      <p:cxnSp>
+        <p:nvCxnSpPr>
+          <p:cNvPr id="6" name="Conector recto 5">
+            <a:extLst>
+              <a:ext uri="{FF2B5EF4-FFF2-40B4-BE49-F238E27FC236}">
+                <a16:creationId xmlns:a16="http://schemas.microsoft.com/office/drawing/2014/main" id="{CC323245-05B1-4989-993D-DE9D460326E8}"/>
+              </a:ext>
+            </a:extLst>
+          </p:cNvPr>
+          <p:cNvCxnSpPr>
+            <a:cxnSpLocks/>
+          </p:cNvCxnSpPr>
+          <p:nvPr/>
+        </p:nvCxnSpPr>
+        <p:spPr>
+          <a:xfrm>
+            <a:off x="4426121" y="2274238"/>
+            <a:ext cx="971958" cy="0"/>
+          </a:xfrm>
+          <a:prstGeom prst="line">
+            <a:avLst/>
+          </a:prstGeom>
+          <a:ln w="38100">
+            <a:solidFill>
+              <a:schemeClr val="tx1"/>
+            </a:solidFill>
+            <a:prstDash val="sysDot"/>
+          </a:ln>
+        </p:spPr>
+        <p:style>
+          <a:lnRef idx="1">
+            <a:schemeClr val="accent1"/>
+          </a:lnRef>
+          <a:fillRef idx="0">
+            <a:schemeClr val="accent1"/>
+          </a:fillRef>
+          <a:effectRef idx="0">
+            <a:schemeClr val="accent1"/>
+          </a:effectRef>
+          <a:fontRef idx="minor">
+            <a:schemeClr val="tx1"/>
+          </a:fontRef>
+        </p:style>
+      </p:cxnSp>
+      <p:sp>
+        <p:nvSpPr>
+          <p:cNvPr id="7" name="Elipse 6">
+            <a:extLst>
+              <a:ext uri="{FF2B5EF4-FFF2-40B4-BE49-F238E27FC236}">
+                <a16:creationId xmlns:a16="http://schemas.microsoft.com/office/drawing/2014/main" id="{2F180CC8-D856-4DA2-BA65-E91795DFD4A7}"/>
+              </a:ext>
+            </a:extLst>
+          </p:cNvPr>
+          <p:cNvSpPr/>
+          <p:nvPr/>
+        </p:nvSpPr>
+        <p:spPr>
+          <a:xfrm>
+            <a:off x="5758470" y="1429877"/>
+            <a:ext cx="282389" cy="284630"/>
+          </a:xfrm>
+          <a:prstGeom prst="ellipse">
+            <a:avLst/>
+          </a:prstGeom>
+        </p:spPr>
+        <p:style>
+          <a:lnRef idx="3">
+            <a:schemeClr val="lt1"/>
+          </a:lnRef>
+          <a:fillRef idx="1">
+            <a:schemeClr val="accent6"/>
+          </a:fillRef>
+          <a:effectRef idx="1">
+            <a:schemeClr val="accent6"/>
+          </a:effectRef>
+          <a:fontRef idx="minor">
+            <a:schemeClr val="lt1"/>
+          </a:fontRef>
+        </p:style>
+        <p:txBody>
+          <a:bodyPr rtlCol="0" anchor="ctr"/>
+          <a:lstStyle/>
+          <a:p>
+            <a:pPr algn="ctr"/>
+            <a:r>
+              <a:rPr lang="es-MX" b="1" dirty="0"/>
+              <a:t>1</a:t>
+            </a:r>
+          </a:p>
+        </p:txBody>
+      </p:sp>
+      <p:sp>
+        <p:nvSpPr>
+          <p:cNvPr id="8" name="Rectángulo 7">
+            <a:extLst>
+              <a:ext uri="{FF2B5EF4-FFF2-40B4-BE49-F238E27FC236}">
+                <a16:creationId xmlns:a16="http://schemas.microsoft.com/office/drawing/2014/main" id="{3AC2912E-81D6-4AD1-9A5C-CCA2924CA372}"/>
+              </a:ext>
+            </a:extLst>
+          </p:cNvPr>
+          <p:cNvSpPr/>
+          <p:nvPr/>
+        </p:nvSpPr>
+        <p:spPr>
+          <a:xfrm>
+            <a:off x="9240604" y="3293047"/>
+            <a:ext cx="596123" cy="608803"/>
+          </a:xfrm>
+          <a:prstGeom prst="rect">
+            <a:avLst/>
+          </a:prstGeom>
+          <a:solidFill>
+            <a:schemeClr val="accent5">
+              <a:lumMod val="60000"/>
+              <a:lumOff val="40000"/>
+            </a:schemeClr>
+          </a:solidFill>
+          <a:ln>
+            <a:solidFill>
+              <a:schemeClr val="accent1"/>
+            </a:solidFill>
+          </a:ln>
+        </p:spPr>
+        <p:style>
+          <a:lnRef idx="2">
+            <a:schemeClr val="accent2">
+              <a:shade val="50000"/>
+            </a:schemeClr>
+          </a:lnRef>
+          <a:fillRef idx="1">
+            <a:schemeClr val="accent2"/>
+          </a:fillRef>
+          <a:effectRef idx="0">
+            <a:schemeClr val="accent2"/>
+          </a:effectRef>
+          <a:fontRef idx="minor">
+            <a:schemeClr val="lt1"/>
+          </a:fontRef>
+        </p:style>
+        <p:txBody>
+          <a:bodyPr rtlCol="0" anchor="ctr"/>
+          <a:lstStyle/>
+          <a:p>
+            <a:pPr algn="ctr"/>
+            <a:r>
+              <a:rPr lang="es-MX" b="1" dirty="0"/>
+              <a:t>2</a:t>
+            </a:r>
+          </a:p>
+        </p:txBody>
+      </p:sp>
+      <p:sp>
+        <p:nvSpPr>
+          <p:cNvPr id="9" name="Elipse 8">
+            <a:extLst>
+              <a:ext uri="{FF2B5EF4-FFF2-40B4-BE49-F238E27FC236}">
+                <a16:creationId xmlns:a16="http://schemas.microsoft.com/office/drawing/2014/main" id="{71192E4A-B799-4598-845D-F2482008A24F}"/>
+              </a:ext>
+            </a:extLst>
+          </p:cNvPr>
+          <p:cNvSpPr/>
+          <p:nvPr/>
+        </p:nvSpPr>
+        <p:spPr>
+          <a:xfrm>
+            <a:off x="6358370" y="1724027"/>
+            <a:ext cx="282389" cy="284630"/>
+          </a:xfrm>
+          <a:prstGeom prst="ellipse">
+            <a:avLst/>
+          </a:prstGeom>
+        </p:spPr>
+        <p:style>
+          <a:lnRef idx="3">
+            <a:schemeClr val="lt1"/>
+          </a:lnRef>
+          <a:fillRef idx="1">
+            <a:schemeClr val="accent6"/>
+          </a:fillRef>
+          <a:effectRef idx="1">
+            <a:schemeClr val="accent6"/>
+          </a:effectRef>
+          <a:fontRef idx="minor">
+            <a:schemeClr val="lt1"/>
+          </a:fontRef>
+        </p:style>
+        <p:txBody>
+          <a:bodyPr rtlCol="0" anchor="ctr"/>
+          <a:lstStyle/>
+          <a:p>
+            <a:pPr algn="ctr"/>
+            <a:r>
+              <a:rPr lang="es-MX" b="1" dirty="0"/>
+              <a:t>1</a:t>
+            </a:r>
+          </a:p>
+        </p:txBody>
+      </p:sp>
+      <p:sp>
+        <p:nvSpPr>
+          <p:cNvPr id="10" name="Elipse 9">
+            <a:extLst>
+              <a:ext uri="{FF2B5EF4-FFF2-40B4-BE49-F238E27FC236}">
+                <a16:creationId xmlns:a16="http://schemas.microsoft.com/office/drawing/2014/main" id="{A6D829C8-1A5D-47E1-9D54-4EC5B713CB8F}"/>
+              </a:ext>
+            </a:extLst>
+          </p:cNvPr>
+          <p:cNvSpPr/>
+          <p:nvPr/>
+        </p:nvSpPr>
+        <p:spPr>
+          <a:xfrm>
+            <a:off x="6946265" y="2008657"/>
+            <a:ext cx="282389" cy="284630"/>
+          </a:xfrm>
+          <a:prstGeom prst="ellipse">
+            <a:avLst/>
+          </a:prstGeom>
+        </p:spPr>
+        <p:style>
+          <a:lnRef idx="3">
+            <a:schemeClr val="lt1"/>
+          </a:lnRef>
+          <a:fillRef idx="1">
+            <a:schemeClr val="accent6"/>
+          </a:fillRef>
+          <a:effectRef idx="1">
+            <a:schemeClr val="accent6"/>
+          </a:effectRef>
+          <a:fontRef idx="minor">
+            <a:schemeClr val="lt1"/>
+          </a:fontRef>
+        </p:style>
+        <p:txBody>
+          <a:bodyPr rtlCol="0" anchor="ctr"/>
+          <a:lstStyle/>
+          <a:p>
+            <a:pPr algn="ctr"/>
+            <a:r>
+              <a:rPr lang="es-MX" b="1" dirty="0"/>
+              <a:t>1</a:t>
+            </a:r>
+          </a:p>
+        </p:txBody>
+      </p:sp>
+      <p:sp>
+        <p:nvSpPr>
+          <p:cNvPr id="14" name="Elipse 13">
+            <a:extLst>
+              <a:ext uri="{FF2B5EF4-FFF2-40B4-BE49-F238E27FC236}">
+                <a16:creationId xmlns:a16="http://schemas.microsoft.com/office/drawing/2014/main" id="{C21F0BB2-2EA3-460B-8146-0DC5D1F354A0}"/>
+              </a:ext>
+            </a:extLst>
+          </p:cNvPr>
+          <p:cNvSpPr/>
+          <p:nvPr/>
+        </p:nvSpPr>
+        <p:spPr>
+          <a:xfrm>
+            <a:off x="4629711" y="3786189"/>
+            <a:ext cx="282389" cy="284630"/>
+          </a:xfrm>
+          <a:prstGeom prst="ellipse">
+            <a:avLst/>
+          </a:prstGeom>
+          <a:solidFill>
+            <a:schemeClr val="accent5">
+              <a:lumMod val="60000"/>
+              <a:lumOff val="40000"/>
+            </a:schemeClr>
+          </a:solidFill>
+        </p:spPr>
+        <p:style>
+          <a:lnRef idx="3">
+            <a:schemeClr val="lt1"/>
+          </a:lnRef>
+          <a:fillRef idx="1">
+            <a:schemeClr val="accent6"/>
+          </a:fillRef>
+          <a:effectRef idx="1">
+            <a:schemeClr val="accent6"/>
+          </a:effectRef>
+          <a:fontRef idx="minor">
+            <a:schemeClr val="lt1"/>
+          </a:fontRef>
+        </p:style>
+        <p:txBody>
+          <a:bodyPr rtlCol="0" anchor="ctr"/>
+          <a:lstStyle/>
+          <a:p>
+            <a:pPr algn="ctr"/>
+            <a:r>
+              <a:rPr lang="es-MX" b="1" dirty="0"/>
+              <a:t>1</a:t>
+            </a:r>
+          </a:p>
+        </p:txBody>
+      </p:sp>
+      <p:sp>
+        <p:nvSpPr>
+          <p:cNvPr id="15" name="Elipse 14">
+            <a:extLst>
+              <a:ext uri="{FF2B5EF4-FFF2-40B4-BE49-F238E27FC236}">
+                <a16:creationId xmlns:a16="http://schemas.microsoft.com/office/drawing/2014/main" id="{4F6E6C3C-27C4-4B74-8A59-5E06FFC80475}"/>
+              </a:ext>
+            </a:extLst>
+          </p:cNvPr>
+          <p:cNvSpPr/>
+          <p:nvPr/>
+        </p:nvSpPr>
+        <p:spPr>
+          <a:xfrm>
+            <a:off x="4269260" y="1439397"/>
+            <a:ext cx="282389" cy="284630"/>
+          </a:xfrm>
+          <a:prstGeom prst="ellipse">
+            <a:avLst/>
+          </a:prstGeom>
+          <a:solidFill>
+            <a:schemeClr val="accent5">
+              <a:lumMod val="60000"/>
+              <a:lumOff val="40000"/>
+            </a:schemeClr>
+          </a:solidFill>
+        </p:spPr>
+        <p:style>
+          <a:lnRef idx="3">
+            <a:schemeClr val="lt1"/>
+          </a:lnRef>
+          <a:fillRef idx="1">
+            <a:schemeClr val="accent6"/>
+          </a:fillRef>
+          <a:effectRef idx="1">
+            <a:schemeClr val="accent6"/>
+          </a:effectRef>
+          <a:fontRef idx="minor">
+            <a:schemeClr val="lt1"/>
+          </a:fontRef>
+        </p:style>
+        <p:txBody>
+          <a:bodyPr rtlCol="0" anchor="ctr"/>
+          <a:lstStyle/>
+          <a:p>
+            <a:pPr algn="ctr"/>
+            <a:r>
+              <a:rPr lang="es-MX" b="1" dirty="0"/>
+              <a:t>1</a:t>
+            </a:r>
+          </a:p>
+        </p:txBody>
+      </p:sp>
     </p:spTree>
     <p:extLst>
       <p:ext uri="{BB962C8B-B14F-4D97-AF65-F5344CB8AC3E}">
